--- a/RTDBwxGUI.pptx
+++ b/RTDBwxGUI.pptx
@@ -5,26 +5,28 @@
     <p:sldMasterId id="2147483648" r:id="rId1"/>
   </p:sldMasterIdLst>
   <p:sldIdLst>
-    <p:sldId id="256" r:id="rId2"/>
-    <p:sldId id="266" r:id="rId3"/>
-    <p:sldId id="257" r:id="rId4"/>
-    <p:sldId id="258" r:id="rId5"/>
-    <p:sldId id="260" r:id="rId6"/>
-    <p:sldId id="259" r:id="rId7"/>
-    <p:sldId id="261" r:id="rId8"/>
-    <p:sldId id="262" r:id="rId9"/>
-    <p:sldId id="263" r:id="rId10"/>
-    <p:sldId id="265" r:id="rId11"/>
-    <p:sldId id="264" r:id="rId12"/>
-    <p:sldId id="267" r:id="rId13"/>
-    <p:sldId id="268" r:id="rId14"/>
-    <p:sldId id="269" r:id="rId15"/>
-    <p:sldId id="270" r:id="rId16"/>
-    <p:sldId id="271" r:id="rId17"/>
-    <p:sldId id="272" r:id="rId18"/>
-    <p:sldId id="273" r:id="rId19"/>
-    <p:sldId id="274" r:id="rId20"/>
-    <p:sldId id="275" r:id="rId21"/>
+    <p:sldId id="276" r:id="rId2"/>
+    <p:sldId id="256" r:id="rId3"/>
+    <p:sldId id="266" r:id="rId4"/>
+    <p:sldId id="257" r:id="rId5"/>
+    <p:sldId id="258" r:id="rId6"/>
+    <p:sldId id="260" r:id="rId7"/>
+    <p:sldId id="259" r:id="rId8"/>
+    <p:sldId id="261" r:id="rId9"/>
+    <p:sldId id="262" r:id="rId10"/>
+    <p:sldId id="263" r:id="rId11"/>
+    <p:sldId id="265" r:id="rId12"/>
+    <p:sldId id="264" r:id="rId13"/>
+    <p:sldId id="267" r:id="rId14"/>
+    <p:sldId id="268" r:id="rId15"/>
+    <p:sldId id="269" r:id="rId16"/>
+    <p:sldId id="270" r:id="rId17"/>
+    <p:sldId id="271" r:id="rId18"/>
+    <p:sldId id="272" r:id="rId19"/>
+    <p:sldId id="273" r:id="rId20"/>
+    <p:sldId id="274" r:id="rId21"/>
+    <p:sldId id="275" r:id="rId22"/>
+    <p:sldId id="277" r:id="rId23"/>
   </p:sldIdLst>
   <p:sldSz cx="12192000" cy="6858000"/>
   <p:notesSz cx="6858000" cy="9144000"/>
@@ -123,6 +125,11 @@
       </a:defRPr>
     </a:lvl9pPr>
   </p:defaultTextStyle>
+  <p:extLst>
+    <p:ext uri="{EFAFB233-063F-42B5-8137-9DF3F51BA10A}">
+      <p15:sldGuideLst xmlns:p15="http://schemas.microsoft.com/office/powerpoint/2012/main"/>
+    </p:ext>
+  </p:extLst>
 </p:presentation>
 </file>
 
@@ -272,7 +279,7 @@
           <a:lstStyle/>
           <a:p>
             <a:fld id="{E30E53D3-9C09-EA4E-97D5-B72B46DD721D}" type="datetimeFigureOut">
-              <a:t>2023/7/5</a:t>
+              <a:t>2023/7/6</a:t>
             </a:fld>
             <a:endParaRPr kumimoji="1" lang="zh-CN" altLang="en-US"/>
           </a:p>
@@ -468,7 +475,7 @@
           <a:lstStyle/>
           <a:p>
             <a:fld id="{E30E53D3-9C09-EA4E-97D5-B72B46DD721D}" type="datetimeFigureOut">
-              <a:t>2023/7/5</a:t>
+              <a:t>2023/7/6</a:t>
             </a:fld>
             <a:endParaRPr kumimoji="1" lang="zh-CN" altLang="en-US"/>
           </a:p>
@@ -674,7 +681,7 @@
           <a:lstStyle/>
           <a:p>
             <a:fld id="{E30E53D3-9C09-EA4E-97D5-B72B46DD721D}" type="datetimeFigureOut">
-              <a:t>2023/7/5</a:t>
+              <a:t>2023/7/6</a:t>
             </a:fld>
             <a:endParaRPr kumimoji="1" lang="zh-CN" altLang="en-US"/>
           </a:p>
@@ -870,7 +877,7 @@
           <a:lstStyle/>
           <a:p>
             <a:fld id="{E30E53D3-9C09-EA4E-97D5-B72B46DD721D}" type="datetimeFigureOut">
-              <a:t>2023/7/5</a:t>
+              <a:t>2023/7/6</a:t>
             </a:fld>
             <a:endParaRPr kumimoji="1" lang="zh-CN" altLang="en-US"/>
           </a:p>
@@ -1143,7 +1150,7 @@
           <a:lstStyle/>
           <a:p>
             <a:fld id="{E30E53D3-9C09-EA4E-97D5-B72B46DD721D}" type="datetimeFigureOut">
-              <a:t>2023/7/5</a:t>
+              <a:t>2023/7/6</a:t>
             </a:fld>
             <a:endParaRPr kumimoji="1" lang="zh-CN" altLang="en-US"/>
           </a:p>
@@ -1406,7 +1413,7 @@
           <a:lstStyle/>
           <a:p>
             <a:fld id="{E30E53D3-9C09-EA4E-97D5-B72B46DD721D}" type="datetimeFigureOut">
-              <a:t>2023/7/5</a:t>
+              <a:t>2023/7/6</a:t>
             </a:fld>
             <a:endParaRPr kumimoji="1" lang="zh-CN" altLang="en-US"/>
           </a:p>
@@ -1816,7 +1823,7 @@
           <a:lstStyle/>
           <a:p>
             <a:fld id="{E30E53D3-9C09-EA4E-97D5-B72B46DD721D}" type="datetimeFigureOut">
-              <a:t>2023/7/5</a:t>
+              <a:t>2023/7/6</a:t>
             </a:fld>
             <a:endParaRPr kumimoji="1" lang="zh-CN" altLang="en-US"/>
           </a:p>
@@ -1955,7 +1962,7 @@
           <a:lstStyle/>
           <a:p>
             <a:fld id="{E30E53D3-9C09-EA4E-97D5-B72B46DD721D}" type="datetimeFigureOut">
-              <a:t>2023/7/5</a:t>
+              <a:t>2023/7/6</a:t>
             </a:fld>
             <a:endParaRPr kumimoji="1" lang="zh-CN" altLang="en-US"/>
           </a:p>
@@ -2066,7 +2073,7 @@
           <a:lstStyle/>
           <a:p>
             <a:fld id="{E30E53D3-9C09-EA4E-97D5-B72B46DD721D}" type="datetimeFigureOut">
-              <a:t>2023/7/5</a:t>
+              <a:t>2023/7/6</a:t>
             </a:fld>
             <a:endParaRPr kumimoji="1" lang="zh-CN" altLang="en-US"/>
           </a:p>
@@ -2375,7 +2382,7 @@
           <a:lstStyle/>
           <a:p>
             <a:fld id="{E30E53D3-9C09-EA4E-97D5-B72B46DD721D}" type="datetimeFigureOut">
-              <a:t>2023/7/5</a:t>
+              <a:t>2023/7/6</a:t>
             </a:fld>
             <a:endParaRPr kumimoji="1" lang="zh-CN" altLang="en-US"/>
           </a:p>
@@ -2661,7 +2668,7 @@
           <a:lstStyle/>
           <a:p>
             <a:fld id="{E30E53D3-9C09-EA4E-97D5-B72B46DD721D}" type="datetimeFigureOut">
-              <a:t>2023/7/5</a:t>
+              <a:t>2023/7/6</a:t>
             </a:fld>
             <a:endParaRPr kumimoji="1" lang="zh-CN" altLang="en-US"/>
           </a:p>
@@ -2900,7 +2907,7 @@
           </a:lstStyle>
           <a:p>
             <a:fld id="{E30E53D3-9C09-EA4E-97D5-B72B46DD721D}" type="datetimeFigureOut">
-              <a:t>2023/7/5</a:t>
+              <a:t>2023/7/6</a:t>
             </a:fld>
             <a:endParaRPr kumimoji="1" lang="zh-CN" altLang="en-US"/>
           </a:p>
@@ -3318,10 +3325,10 @@
       </p:grpSpPr>
       <p:sp>
         <p:nvSpPr>
-          <p:cNvPr id="2" name="标题 1">
+          <p:cNvPr id="3" name="内容占位符 2">
             <a:extLst>
               <a:ext uri="{FF2B5EF4-FFF2-40B4-BE49-F238E27FC236}">
-                <a16:creationId xmlns:a16="http://schemas.microsoft.com/office/drawing/2014/main" id="{5D8CDBB8-1C32-E447-A00B-9335CF7E26EB}"/>
+                <a16:creationId xmlns:a16="http://schemas.microsoft.com/office/drawing/2014/main" id="{74A3C99F-FFEF-F04F-8DCC-31CBA7166D71}"/>
               </a:ext>
             </a:extLst>
           </p:cNvPr>
@@ -3329,90 +3336,59 @@
             <a:spLocks noGrp="1"/>
           </p:cNvSpPr>
           <p:nvPr>
-            <p:ph type="ctrTitle"/>
+            <p:ph idx="1"/>
           </p:nvPr>
         </p:nvSpPr>
         <p:spPr/>
         <p:txBody>
-          <a:bodyPr anchor="ctr"/>
+          <a:bodyPr/>
           <a:lstStyle/>
           <a:p>
             <a:r>
-              <a:rPr kumimoji="1" lang="en-US" altLang="zh-CN"/>
-              <a:t>RTDBwxGUI Ⅰ</a:t>
-            </a:r>
+              <a:rPr kumimoji="1" lang="zh-CN" altLang="en-US"/>
+              <a:t>主讲人：田山</a:t>
+            </a:r>
+            <a:endParaRPr kumimoji="1" lang="en-US" altLang="zh-CN"/>
+          </a:p>
+          <a:p>
+            <a:r>
+              <a:rPr kumimoji="1" lang="zh-CN" altLang="en-US"/>
+              <a:t>代码：</a:t>
+            </a:r>
+            <a:r>
+              <a:rPr kumimoji="1" lang="en" altLang="zh-CN">
+                <a:hlinkClick r:id="rId2"/>
+              </a:rPr>
+              <a:t>git@github.com:TianShan95/wxGUI.git</a:t>
+            </a:r>
+            <a:endParaRPr kumimoji="1" lang="en" altLang="zh-CN"/>
+          </a:p>
+          <a:p>
+            <a:r>
+              <a:rPr kumimoji="1" lang="zh-CN" altLang="en"/>
+              <a:t>网页</a:t>
+            </a:r>
+            <a:r>
+              <a:rPr kumimoji="1" lang="zh-CN" altLang="en-US"/>
+              <a:t>：</a:t>
+            </a:r>
+            <a:r>
+              <a:rPr kumimoji="1" lang="en" altLang="zh-CN">
+                <a:hlinkClick r:id="rId3"/>
+              </a:rPr>
+              <a:t>https://github.com/TianShan95/wxGUI</a:t>
+            </a:r>
+            <a:endParaRPr kumimoji="1" lang="en-US" altLang="zh-CN"/>
+          </a:p>
+          <a:p>
             <a:endParaRPr kumimoji="1" lang="zh-CN" altLang="en-US"/>
-          </a:p>
-        </p:txBody>
-      </p:sp>
-      <p:sp>
-        <p:nvSpPr>
-          <p:cNvPr id="3" name="副标题 2">
-            <a:extLst>
-              <a:ext uri="{FF2B5EF4-FFF2-40B4-BE49-F238E27FC236}">
-                <a16:creationId xmlns:a16="http://schemas.microsoft.com/office/drawing/2014/main" id="{8D3F9F6A-5E3D-654A-940B-D73AFCCCCE10}"/>
-              </a:ext>
-            </a:extLst>
-          </p:cNvPr>
-          <p:cNvSpPr>
-            <a:spLocks noGrp="1"/>
-          </p:cNvSpPr>
-          <p:nvPr>
-            <p:ph type="subTitle" idx="1"/>
-          </p:nvPr>
-        </p:nvSpPr>
-        <p:spPr>
-          <a:xfrm>
-            <a:off x="1524000" y="3602038"/>
-            <a:ext cx="10251688" cy="1655762"/>
-          </a:xfrm>
-        </p:spPr>
-        <p:txBody>
-          <a:bodyPr anchor="ctr"/>
-          <a:lstStyle/>
-          <a:p>
-            <a:r>
-              <a:rPr kumimoji="1" lang="zh-CN" altLang="en-US"/>
-              <a:t>基于</a:t>
-            </a:r>
-            <a:r>
-              <a:rPr kumimoji="1" lang="en-US" altLang="zh-CN"/>
-              <a:t>wxFormBuilder</a:t>
-            </a:r>
-            <a:r>
-              <a:rPr kumimoji="1" lang="zh-CN" altLang="en-US"/>
-              <a:t>布局工具与</a:t>
-            </a:r>
-            <a:r>
-              <a:rPr kumimoji="1" lang="en-US" altLang="zh-CN"/>
-              <a:t>wxWidgets</a:t>
-            </a:r>
-            <a:r>
-              <a:rPr kumimoji="1" lang="zh-CN" altLang="en-US"/>
-              <a:t>库的数据查看桌面应用程序</a:t>
-            </a:r>
-            <a:endParaRPr kumimoji="1" lang="en-US" altLang="zh-CN"/>
-          </a:p>
-          <a:p>
-            <a:r>
-              <a:rPr kumimoji="1" lang="zh-CN" altLang="en-US"/>
-              <a:t>之</a:t>
-            </a:r>
-            <a:r>
-              <a:rPr kumimoji="1" lang="en-US" altLang="zh-CN"/>
-              <a:t>wxFormBuilder</a:t>
-            </a:r>
-            <a:r>
-              <a:rPr kumimoji="1" lang="zh-CN" altLang="en-US"/>
-              <a:t>布局</a:t>
-            </a:r>
           </a:p>
         </p:txBody>
       </p:sp>
     </p:spTree>
     <p:extLst>
       <p:ext uri="{BB962C8B-B14F-4D97-AF65-F5344CB8AC3E}">
-        <p14:creationId xmlns:p14="http://schemas.microsoft.com/office/powerpoint/2010/main" val="1135820189"/>
+        <p14:creationId xmlns:p14="http://schemas.microsoft.com/office/powerpoint/2010/main" val="1432940577"/>
       </p:ext>
     </p:extLst>
   </p:cSld>
@@ -3423,6 +3399,901 @@
 </file>
 
 <file path=ppt/slides/slide10.xml><?xml version="1.0" encoding="utf-8"?>
+<p:sld xmlns:a="http://schemas.openxmlformats.org/drawingml/2006/main" xmlns:r="http://schemas.openxmlformats.org/officeDocument/2006/relationships" xmlns:p="http://schemas.openxmlformats.org/presentationml/2006/main">
+  <p:cSld>
+    <p:spTree>
+      <p:nvGrpSpPr>
+        <p:cNvPr id="1" name=""/>
+        <p:cNvGrpSpPr/>
+        <p:nvPr/>
+      </p:nvGrpSpPr>
+      <p:grpSpPr>
+        <a:xfrm>
+          <a:off x="0" y="0"/>
+          <a:ext cx="0" cy="0"/>
+          <a:chOff x="0" y="0"/>
+          <a:chExt cx="0" cy="0"/>
+        </a:xfrm>
+      </p:grpSpPr>
+      <p:sp>
+        <p:nvSpPr>
+          <p:cNvPr id="2" name="标题 1">
+            <a:extLst>
+              <a:ext uri="{FF2B5EF4-FFF2-40B4-BE49-F238E27FC236}">
+                <a16:creationId xmlns:a16="http://schemas.microsoft.com/office/drawing/2014/main" id="{689AA139-6FA5-9448-A014-B61F63E59CB0}"/>
+              </a:ext>
+            </a:extLst>
+          </p:cNvPr>
+          <p:cNvSpPr>
+            <a:spLocks noGrp="1"/>
+          </p:cNvSpPr>
+          <p:nvPr>
+            <p:ph type="title"/>
+          </p:nvPr>
+        </p:nvSpPr>
+        <p:spPr/>
+        <p:txBody>
+          <a:bodyPr/>
+          <a:lstStyle/>
+          <a:p>
+            <a:r>
+              <a:rPr kumimoji="1" lang="en-US" altLang="zh-CN" sz="4400">
+                <a:latin typeface="SimSun" panose="02010600030101010101" pitchFamily="2" charset="-122"/>
+                <a:ea typeface="SimSun" panose="02010600030101010101" pitchFamily="2" charset="-122"/>
+              </a:rPr>
+              <a:t>DialogNew(Dialog</a:t>
+            </a:r>
+            <a:r>
+              <a:rPr kumimoji="1" lang="zh-CN" altLang="en-US" sz="4400">
+                <a:latin typeface="SimSun" panose="02010600030101010101" pitchFamily="2" charset="-122"/>
+                <a:ea typeface="SimSun" panose="02010600030101010101" pitchFamily="2" charset="-122"/>
+              </a:rPr>
+              <a:t>弹窗</a:t>
+            </a:r>
+            <a:r>
+              <a:rPr kumimoji="1" lang="en-US" altLang="zh-CN" sz="4400">
+                <a:latin typeface="SimSun" panose="02010600030101010101" pitchFamily="2" charset="-122"/>
+                <a:ea typeface="SimSun" panose="02010600030101010101" pitchFamily="2" charset="-122"/>
+              </a:rPr>
+              <a:t>)</a:t>
+            </a:r>
+            <a:endParaRPr kumimoji="1" lang="zh-CN" altLang="en-US"/>
+          </a:p>
+        </p:txBody>
+      </p:sp>
+      <p:sp>
+        <p:nvSpPr>
+          <p:cNvPr id="3" name="内容占位符 2">
+            <a:extLst>
+              <a:ext uri="{FF2B5EF4-FFF2-40B4-BE49-F238E27FC236}">
+                <a16:creationId xmlns:a16="http://schemas.microsoft.com/office/drawing/2014/main" id="{3E1AC4FA-3629-A54A-A8E8-7466048F5F0F}"/>
+              </a:ext>
+            </a:extLst>
+          </p:cNvPr>
+          <p:cNvSpPr>
+            <a:spLocks noGrp="1"/>
+          </p:cNvSpPr>
+          <p:nvPr>
+            <p:ph idx="1"/>
+          </p:nvPr>
+        </p:nvSpPr>
+        <p:spPr>
+          <a:xfrm>
+            <a:off x="581722" y="2227069"/>
+            <a:ext cx="11353800" cy="4351338"/>
+          </a:xfrm>
+        </p:spPr>
+        <p:txBody>
+          <a:bodyPr>
+            <a:normAutofit lnSpcReduction="10000"/>
+          </a:bodyPr>
+          <a:lstStyle/>
+          <a:p>
+            <a:r>
+              <a:rPr kumimoji="1" lang="zh-CN" altLang="en-US" sz="2000">
+                <a:latin typeface="SimSun" panose="02010600030101010101" pitchFamily="2" charset="-122"/>
+                <a:ea typeface="SimSun" panose="02010600030101010101" pitchFamily="2" charset="-122"/>
+              </a:rPr>
+              <a:t>添加 </a:t>
+            </a:r>
+            <a:r>
+              <a:rPr kumimoji="1" lang="en-US" altLang="zh-CN" sz="2000">
+                <a:latin typeface="SimSun" panose="02010600030101010101" pitchFamily="2" charset="-122"/>
+                <a:ea typeface="SimSun" panose="02010600030101010101" pitchFamily="2" charset="-122"/>
+              </a:rPr>
+              <a:t>Forms</a:t>
+            </a:r>
+            <a:r>
+              <a:rPr kumimoji="1" lang="zh-CN" altLang="en-US" sz="2000">
+                <a:latin typeface="SimSun" panose="02010600030101010101" pitchFamily="2" charset="-122"/>
+                <a:ea typeface="SimSun" panose="02010600030101010101" pitchFamily="2" charset="-122"/>
+              </a:rPr>
+              <a:t> </a:t>
+            </a:r>
+            <a:r>
+              <a:rPr kumimoji="1" lang="en-US" altLang="zh-CN" sz="2000">
+                <a:latin typeface="SimSun" panose="02010600030101010101" pitchFamily="2" charset="-122"/>
+                <a:ea typeface="SimSun" panose="02010600030101010101" pitchFamily="2" charset="-122"/>
+                <a:sym typeface="Wingdings" pitchFamily="2" charset="2"/>
+              </a:rPr>
+              <a:t> Dialog</a:t>
+            </a:r>
+          </a:p>
+          <a:p>
+            <a:r>
+              <a:rPr kumimoji="1" lang="zh-CN" altLang="en-US" sz="2000">
+                <a:latin typeface="SimSun" panose="02010600030101010101" pitchFamily="2" charset="-122"/>
+                <a:ea typeface="SimSun" panose="02010600030101010101" pitchFamily="2" charset="-122"/>
+                <a:sym typeface="Wingdings" pitchFamily="2" charset="2"/>
+              </a:rPr>
+              <a:t>添加 </a:t>
+            </a:r>
+            <a:r>
+              <a:rPr kumimoji="1" lang="en-US" altLang="zh-CN" sz="2000">
+                <a:latin typeface="SimSun" panose="02010600030101010101" pitchFamily="2" charset="-122"/>
+                <a:ea typeface="SimSun" panose="02010600030101010101" pitchFamily="2" charset="-122"/>
+                <a:sym typeface="Wingdings" pitchFamily="2" charset="2"/>
+              </a:rPr>
+              <a:t>Container</a:t>
+            </a:r>
+            <a:r>
+              <a:rPr kumimoji="1" lang="zh-CN" altLang="en-US" sz="2000">
+                <a:latin typeface="SimSun" panose="02010600030101010101" pitchFamily="2" charset="-122"/>
+                <a:ea typeface="SimSun" panose="02010600030101010101" pitchFamily="2" charset="-122"/>
+                <a:sym typeface="Wingdings" pitchFamily="2" charset="2"/>
+              </a:rPr>
+              <a:t> </a:t>
+            </a:r>
+            <a:r>
+              <a:rPr kumimoji="1" lang="en-US" altLang="zh-CN" sz="2000">
+                <a:latin typeface="SimSun" panose="02010600030101010101" pitchFamily="2" charset="-122"/>
+                <a:ea typeface="SimSun" panose="02010600030101010101" pitchFamily="2" charset="-122"/>
+                <a:sym typeface="Wingdings" pitchFamily="2" charset="2"/>
+              </a:rPr>
+              <a:t> wxBoxSizer</a:t>
+            </a:r>
+          </a:p>
+          <a:p>
+            <a:r>
+              <a:rPr kumimoji="1" lang="zh-CN" altLang="en-US" sz="2000">
+                <a:latin typeface="SimSun" panose="02010600030101010101" pitchFamily="2" charset="-122"/>
+                <a:ea typeface="SimSun" panose="02010600030101010101" pitchFamily="2" charset="-122"/>
+                <a:sym typeface="Wingdings" pitchFamily="2" charset="2"/>
+              </a:rPr>
+              <a:t>添加 </a:t>
+            </a:r>
+            <a:r>
+              <a:rPr kumimoji="1" lang="en-US" altLang="zh-CN" sz="2000">
+                <a:latin typeface="SimSun" panose="02010600030101010101" pitchFamily="2" charset="-122"/>
+                <a:ea typeface="SimSun" panose="02010600030101010101" pitchFamily="2" charset="-122"/>
+                <a:sym typeface="Wingdings" pitchFamily="2" charset="2"/>
+              </a:rPr>
+              <a:t>Menu/ToolBar  wxInfoBar</a:t>
+            </a:r>
+          </a:p>
+          <a:p>
+            <a:r>
+              <a:rPr kumimoji="1" lang="zh-CN" altLang="en-US" sz="2000">
+                <a:latin typeface="SimSun" panose="02010600030101010101" pitchFamily="2" charset="-122"/>
+                <a:ea typeface="SimSun" panose="02010600030101010101" pitchFamily="2" charset="-122"/>
+                <a:sym typeface="Wingdings" pitchFamily="2" charset="2"/>
+              </a:rPr>
+              <a:t>添加 </a:t>
+            </a:r>
+            <a:r>
+              <a:rPr kumimoji="1" lang="en-US" altLang="zh-CN" sz="2000">
+                <a:latin typeface="SimSun" panose="02010600030101010101" pitchFamily="2" charset="-122"/>
+                <a:ea typeface="SimSun" panose="02010600030101010101" pitchFamily="2" charset="-122"/>
+                <a:sym typeface="Wingdings" pitchFamily="2" charset="2"/>
+              </a:rPr>
+              <a:t>Container  wxScrolledWindow (</a:t>
+            </a:r>
+            <a:r>
+              <a:rPr kumimoji="1" lang="zh-CN" altLang="en-US" sz="2000">
+                <a:latin typeface="SimSun" panose="02010600030101010101" pitchFamily="2" charset="-122"/>
+                <a:ea typeface="SimSun" panose="02010600030101010101" pitchFamily="2" charset="-122"/>
+                <a:sym typeface="Wingdings" pitchFamily="2" charset="2"/>
+              </a:rPr>
+              <a:t>带滑动条的面板</a:t>
+            </a:r>
+            <a:r>
+              <a:rPr kumimoji="1" lang="en-US" altLang="zh-CN" sz="2000">
+                <a:latin typeface="SimSun" panose="02010600030101010101" pitchFamily="2" charset="-122"/>
+                <a:ea typeface="SimSun" panose="02010600030101010101" pitchFamily="2" charset="-122"/>
+                <a:sym typeface="Wingdings" pitchFamily="2" charset="2"/>
+              </a:rPr>
+              <a:t>)</a:t>
+            </a:r>
+          </a:p>
+          <a:p>
+            <a:r>
+              <a:rPr kumimoji="1" lang="zh-CN" altLang="en-US" sz="2000">
+                <a:latin typeface="SimSun" panose="02010600030101010101" pitchFamily="2" charset="-122"/>
+                <a:ea typeface="SimSun" panose="02010600030101010101" pitchFamily="2" charset="-122"/>
+                <a:sym typeface="Wingdings" pitchFamily="2" charset="2"/>
+              </a:rPr>
+              <a:t>添加 </a:t>
+            </a:r>
+            <a:r>
+              <a:rPr kumimoji="1" lang="en-US" altLang="zh-CN" sz="2000">
+                <a:latin typeface="SimSun" panose="02010600030101010101" pitchFamily="2" charset="-122"/>
+                <a:ea typeface="SimSun" panose="02010600030101010101" pitchFamily="2" charset="-122"/>
+                <a:sym typeface="Wingdings" pitchFamily="2" charset="2"/>
+              </a:rPr>
+              <a:t>Container</a:t>
+            </a:r>
+            <a:r>
+              <a:rPr kumimoji="1" lang="zh-CN" altLang="en-US" sz="2000">
+                <a:latin typeface="SimSun" panose="02010600030101010101" pitchFamily="2" charset="-122"/>
+                <a:ea typeface="SimSun" panose="02010600030101010101" pitchFamily="2" charset="-122"/>
+                <a:sym typeface="Wingdings" pitchFamily="2" charset="2"/>
+              </a:rPr>
+              <a:t> </a:t>
+            </a:r>
+            <a:r>
+              <a:rPr kumimoji="1" lang="en-US" altLang="zh-CN" sz="2000">
+                <a:latin typeface="SimSun" panose="02010600030101010101" pitchFamily="2" charset="-122"/>
+                <a:ea typeface="SimSun" panose="02010600030101010101" pitchFamily="2" charset="-122"/>
+                <a:sym typeface="Wingdings" pitchFamily="2" charset="2"/>
+              </a:rPr>
+              <a:t> wxBoxSizer</a:t>
+            </a:r>
+          </a:p>
+          <a:p>
+            <a:r>
+              <a:rPr kumimoji="1" lang="zh-CN" altLang="en-US" sz="2000">
+                <a:latin typeface="SimSun" panose="02010600030101010101" pitchFamily="2" charset="-122"/>
+                <a:ea typeface="SimSun" panose="02010600030101010101" pitchFamily="2" charset="-122"/>
+                <a:sym typeface="Wingdings" pitchFamily="2" charset="2"/>
+              </a:rPr>
+              <a:t>添加</a:t>
+            </a:r>
+            <a:r>
+              <a:rPr kumimoji="1" lang="en-US" altLang="zh-CN" sz="2000">
+                <a:latin typeface="SimSun" panose="02010600030101010101" pitchFamily="2" charset="-122"/>
+                <a:ea typeface="SimSun" panose="02010600030101010101" pitchFamily="2" charset="-122"/>
+                <a:sym typeface="Wingdings" pitchFamily="2" charset="2"/>
+              </a:rPr>
+              <a:t> Data</a:t>
+            </a:r>
+            <a:r>
+              <a:rPr kumimoji="1" lang="zh-CN" altLang="en-US" sz="2000">
+                <a:latin typeface="SimSun" panose="02010600030101010101" pitchFamily="2" charset="-122"/>
+                <a:ea typeface="SimSun" panose="02010600030101010101" pitchFamily="2" charset="-122"/>
+                <a:sym typeface="Wingdings" pitchFamily="2" charset="2"/>
+              </a:rPr>
+              <a:t> </a:t>
+            </a:r>
+            <a:r>
+              <a:rPr kumimoji="1" lang="en-US" altLang="zh-CN" sz="2000">
+                <a:latin typeface="SimSun" panose="02010600030101010101" pitchFamily="2" charset="-122"/>
+                <a:ea typeface="SimSun" panose="02010600030101010101" pitchFamily="2" charset="-122"/>
+                <a:sym typeface="Wingdings" pitchFamily="2" charset="2"/>
+              </a:rPr>
+              <a:t> wxDataViewListCtrl</a:t>
+            </a:r>
+          </a:p>
+          <a:p>
+            <a:r>
+              <a:rPr kumimoji="1" lang="zh-CN" altLang="en-US" sz="2000">
+                <a:solidFill>
+                  <a:srgbClr val="FF0000"/>
+                </a:solidFill>
+                <a:latin typeface="SimSun" panose="02010600030101010101" pitchFamily="2" charset="-122"/>
+                <a:ea typeface="SimSun" panose="02010600030101010101" pitchFamily="2" charset="-122"/>
+                <a:sym typeface="Wingdings" pitchFamily="2" charset="2"/>
+              </a:rPr>
+              <a:t>添加</a:t>
+            </a:r>
+            <a:r>
+              <a:rPr kumimoji="1" lang="en-US" altLang="zh-CN" sz="2000">
+                <a:solidFill>
+                  <a:srgbClr val="FF0000"/>
+                </a:solidFill>
+                <a:latin typeface="SimSun" panose="02010600030101010101" pitchFamily="2" charset="-122"/>
+                <a:ea typeface="SimSun" panose="02010600030101010101" pitchFamily="2" charset="-122"/>
+                <a:sym typeface="Wingdings" pitchFamily="2" charset="2"/>
+              </a:rPr>
+              <a:t>Panel</a:t>
+            </a:r>
+            <a:r>
+              <a:rPr kumimoji="1" lang="zh-CN" altLang="en-US" sz="2000">
+                <a:solidFill>
+                  <a:srgbClr val="FF0000"/>
+                </a:solidFill>
+                <a:latin typeface="SimSun" panose="02010600030101010101" pitchFamily="2" charset="-122"/>
+                <a:ea typeface="SimSun" panose="02010600030101010101" pitchFamily="2" charset="-122"/>
+                <a:sym typeface="Wingdings" pitchFamily="2" charset="2"/>
+              </a:rPr>
+              <a:t>再添加</a:t>
+            </a:r>
+            <a:r>
+              <a:rPr kumimoji="1" lang="en-US" altLang="zh-CN" sz="2000">
+                <a:solidFill>
+                  <a:srgbClr val="FF0000"/>
+                </a:solidFill>
+                <a:latin typeface="SimSun" panose="02010600030101010101" pitchFamily="2" charset="-122"/>
+                <a:ea typeface="SimSun" panose="02010600030101010101" pitchFamily="2" charset="-122"/>
+                <a:sym typeface="Wingdings" pitchFamily="2" charset="2"/>
+              </a:rPr>
+              <a:t>Sizer</a:t>
+            </a:r>
+            <a:r>
+              <a:rPr kumimoji="1" lang="zh-CN" altLang="en-US" sz="2000">
+                <a:solidFill>
+                  <a:srgbClr val="FF0000"/>
+                </a:solidFill>
+                <a:latin typeface="SimSun" panose="02010600030101010101" pitchFamily="2" charset="-122"/>
+                <a:ea typeface="SimSun" panose="02010600030101010101" pitchFamily="2" charset="-122"/>
+                <a:sym typeface="Wingdings" pitchFamily="2" charset="2"/>
+              </a:rPr>
+              <a:t> </a:t>
+            </a:r>
+            <a:r>
+              <a:rPr kumimoji="1" lang="en-US" altLang="zh-CN" sz="2000">
+                <a:solidFill>
+                  <a:srgbClr val="FF0000"/>
+                </a:solidFill>
+                <a:latin typeface="SimSun" panose="02010600030101010101" pitchFamily="2" charset="-122"/>
+                <a:ea typeface="SimSun" panose="02010600030101010101" pitchFamily="2" charset="-122"/>
+                <a:sym typeface="Wingdings" pitchFamily="2" charset="2"/>
+              </a:rPr>
+              <a:t> Sizer</a:t>
+            </a:r>
+            <a:r>
+              <a:rPr kumimoji="1" lang="zh-CN" altLang="en-US" sz="2000">
+                <a:solidFill>
+                  <a:srgbClr val="FF0000"/>
+                </a:solidFill>
+                <a:latin typeface="SimSun" panose="02010600030101010101" pitchFamily="2" charset="-122"/>
+                <a:ea typeface="SimSun" panose="02010600030101010101" pitchFamily="2" charset="-122"/>
+                <a:sym typeface="Wingdings" pitchFamily="2" charset="2"/>
+              </a:rPr>
+              <a:t>设置</a:t>
+            </a:r>
+            <a:r>
+              <a:rPr kumimoji="1" lang="en-US" altLang="zh-CN" sz="2000">
+                <a:solidFill>
+                  <a:srgbClr val="FF0000"/>
+                </a:solidFill>
+                <a:latin typeface="SimSun" panose="02010600030101010101" pitchFamily="2" charset="-122"/>
+                <a:ea typeface="SimSun" panose="02010600030101010101" pitchFamily="2" charset="-122"/>
+                <a:sym typeface="Wingdings" pitchFamily="2" charset="2"/>
+              </a:rPr>
+              <a:t>orient</a:t>
+            </a:r>
+            <a:r>
+              <a:rPr kumimoji="1" lang="zh-CN" altLang="en-US" sz="2000">
+                <a:solidFill>
+                  <a:srgbClr val="FF0000"/>
+                </a:solidFill>
+                <a:latin typeface="SimSun" panose="02010600030101010101" pitchFamily="2" charset="-122"/>
+                <a:ea typeface="SimSun" panose="02010600030101010101" pitchFamily="2" charset="-122"/>
+                <a:sym typeface="Wingdings" pitchFamily="2" charset="2"/>
+              </a:rPr>
+              <a:t>为</a:t>
+            </a:r>
+            <a:r>
+              <a:rPr kumimoji="1" lang="en-US" altLang="zh-CN" sz="2000">
+                <a:solidFill>
+                  <a:srgbClr val="FF0000"/>
+                </a:solidFill>
+                <a:latin typeface="SimSun" panose="02010600030101010101" pitchFamily="2" charset="-122"/>
+                <a:ea typeface="SimSun" panose="02010600030101010101" pitchFamily="2" charset="-122"/>
+                <a:sym typeface="Wingdings" pitchFamily="2" charset="2"/>
+              </a:rPr>
+              <a:t>wxHORIZONTAL(</a:t>
+            </a:r>
+            <a:r>
+              <a:rPr kumimoji="1" lang="zh-CN" altLang="en-US" sz="2000">
+                <a:solidFill>
+                  <a:srgbClr val="FF0000"/>
+                </a:solidFill>
+                <a:latin typeface="SimSun" panose="02010600030101010101" pitchFamily="2" charset="-122"/>
+                <a:ea typeface="SimSun" panose="02010600030101010101" pitchFamily="2" charset="-122"/>
+                <a:sym typeface="Wingdings" pitchFamily="2" charset="2"/>
+              </a:rPr>
+              <a:t>竖排</a:t>
+            </a:r>
+            <a:r>
+              <a:rPr kumimoji="1" lang="en-US" altLang="zh-CN" sz="2000">
+                <a:solidFill>
+                  <a:srgbClr val="FF0000"/>
+                </a:solidFill>
+                <a:latin typeface="SimSun" panose="02010600030101010101" pitchFamily="2" charset="-122"/>
+                <a:ea typeface="SimSun" panose="02010600030101010101" pitchFamily="2" charset="-122"/>
+                <a:sym typeface="Wingdings" pitchFamily="2" charset="2"/>
+              </a:rPr>
+              <a:t>)</a:t>
+            </a:r>
+          </a:p>
+          <a:p>
+            <a:r>
+              <a:rPr kumimoji="1" lang="zh-CN" altLang="en-US" sz="2000">
+                <a:solidFill>
+                  <a:srgbClr val="FF0000"/>
+                </a:solidFill>
+                <a:latin typeface="SimSun" panose="02010600030101010101" pitchFamily="2" charset="-122"/>
+                <a:ea typeface="SimSun" panose="02010600030101010101" pitchFamily="2" charset="-122"/>
+                <a:sym typeface="Wingdings" pitchFamily="2" charset="2"/>
+              </a:rPr>
+              <a:t>在</a:t>
+            </a:r>
+            <a:r>
+              <a:rPr kumimoji="1" lang="en-US" altLang="zh-CN" sz="2000">
+                <a:solidFill>
+                  <a:srgbClr val="FF0000"/>
+                </a:solidFill>
+                <a:latin typeface="SimSun" panose="02010600030101010101" pitchFamily="2" charset="-122"/>
+                <a:ea typeface="SimSun" panose="02010600030101010101" pitchFamily="2" charset="-122"/>
+                <a:sym typeface="Wingdings" pitchFamily="2" charset="2"/>
+              </a:rPr>
+              <a:t>Sizer</a:t>
+            </a:r>
+            <a:r>
+              <a:rPr kumimoji="1" lang="zh-CN" altLang="en-US" sz="2000">
+                <a:solidFill>
+                  <a:srgbClr val="FF0000"/>
+                </a:solidFill>
+                <a:latin typeface="SimSun" panose="02010600030101010101" pitchFamily="2" charset="-122"/>
+                <a:ea typeface="SimSun" panose="02010600030101010101" pitchFamily="2" charset="-122"/>
+                <a:sym typeface="Wingdings" pitchFamily="2" charset="2"/>
+              </a:rPr>
+              <a:t>里添加</a:t>
+            </a:r>
+            <a:r>
+              <a:rPr kumimoji="1" lang="en-US" altLang="zh-CN" sz="2000">
+                <a:solidFill>
+                  <a:srgbClr val="FF0000"/>
+                </a:solidFill>
+                <a:latin typeface="SimSun" panose="02010600030101010101" pitchFamily="2" charset="-122"/>
+                <a:ea typeface="SimSun" panose="02010600030101010101" pitchFamily="2" charset="-122"/>
+                <a:sym typeface="Wingdings" pitchFamily="2" charset="2"/>
+              </a:rPr>
+              <a:t>StaticText</a:t>
+            </a:r>
+            <a:r>
+              <a:rPr kumimoji="1" lang="zh-CN" altLang="en-US" sz="2000">
+                <a:solidFill>
+                  <a:srgbClr val="FF0000"/>
+                </a:solidFill>
+                <a:latin typeface="SimSun" panose="02010600030101010101" pitchFamily="2" charset="-122"/>
+                <a:ea typeface="SimSun" panose="02010600030101010101" pitchFamily="2" charset="-122"/>
+                <a:sym typeface="Wingdings" pitchFamily="2" charset="2"/>
+              </a:rPr>
+              <a:t> </a:t>
+            </a:r>
+            <a:r>
+              <a:rPr kumimoji="1" lang="en-US" altLang="zh-CN" sz="2000">
+                <a:solidFill>
+                  <a:srgbClr val="FF0000"/>
+                </a:solidFill>
+                <a:latin typeface="SimSun" panose="02010600030101010101" pitchFamily="2" charset="-122"/>
+                <a:ea typeface="SimSun" panose="02010600030101010101" pitchFamily="2" charset="-122"/>
+                <a:sym typeface="Wingdings" pitchFamily="2" charset="2"/>
+              </a:rPr>
+              <a:t> </a:t>
+            </a:r>
+            <a:r>
+              <a:rPr kumimoji="1" lang="zh-CN" altLang="en-US" sz="2000">
+                <a:solidFill>
+                  <a:srgbClr val="FF0000"/>
+                </a:solidFill>
+                <a:latin typeface="SimSun" panose="02010600030101010101" pitchFamily="2" charset="-122"/>
+                <a:ea typeface="SimSun" panose="02010600030101010101" pitchFamily="2" charset="-122"/>
+                <a:sym typeface="Wingdings" pitchFamily="2" charset="2"/>
+              </a:rPr>
+              <a:t>添加</a:t>
+            </a:r>
+            <a:r>
+              <a:rPr kumimoji="1" lang="en-US" altLang="zh-CN" sz="2000">
+                <a:solidFill>
+                  <a:srgbClr val="FF0000"/>
+                </a:solidFill>
+                <a:latin typeface="SimSun" panose="02010600030101010101" pitchFamily="2" charset="-122"/>
+                <a:ea typeface="SimSun" panose="02010600030101010101" pitchFamily="2" charset="-122"/>
+                <a:sym typeface="Wingdings" pitchFamily="2" charset="2"/>
+              </a:rPr>
+              <a:t>Additional</a:t>
+            </a:r>
+            <a:r>
+              <a:rPr kumimoji="1" lang="zh-CN" altLang="en-US" sz="2000">
+                <a:solidFill>
+                  <a:srgbClr val="FF0000"/>
+                </a:solidFill>
+                <a:latin typeface="SimSun" panose="02010600030101010101" pitchFamily="2" charset="-122"/>
+                <a:ea typeface="SimSun" panose="02010600030101010101" pitchFamily="2" charset="-122"/>
+                <a:sym typeface="Wingdings" pitchFamily="2" charset="2"/>
+              </a:rPr>
+              <a:t> </a:t>
+            </a:r>
+            <a:r>
+              <a:rPr kumimoji="1" lang="en-US" altLang="zh-CN" sz="2000">
+                <a:solidFill>
+                  <a:srgbClr val="FF0000"/>
+                </a:solidFill>
+                <a:latin typeface="SimSun" panose="02010600030101010101" pitchFamily="2" charset="-122"/>
+                <a:ea typeface="SimSun" panose="02010600030101010101" pitchFamily="2" charset="-122"/>
+                <a:sym typeface="Wingdings" pitchFamily="2" charset="2"/>
+              </a:rPr>
+              <a:t></a:t>
+            </a:r>
+            <a:r>
+              <a:rPr kumimoji="1" lang="zh-CN" altLang="en-US" sz="2000">
+                <a:solidFill>
+                  <a:srgbClr val="FF0000"/>
+                </a:solidFill>
+                <a:latin typeface="SimSun" panose="02010600030101010101" pitchFamily="2" charset="-122"/>
+                <a:ea typeface="SimSun" panose="02010600030101010101" pitchFamily="2" charset="-122"/>
+                <a:sym typeface="Wingdings" pitchFamily="2" charset="2"/>
+              </a:rPr>
+              <a:t> </a:t>
+            </a:r>
+            <a:r>
+              <a:rPr kumimoji="1" lang="en-US" altLang="zh-CN" sz="2000">
+                <a:solidFill>
+                  <a:srgbClr val="FF0000"/>
+                </a:solidFill>
+                <a:latin typeface="SimSun" panose="02010600030101010101" pitchFamily="2" charset="-122"/>
+                <a:ea typeface="SimSun" panose="02010600030101010101" pitchFamily="2" charset="-122"/>
+                <a:sym typeface="Wingdings" pitchFamily="2" charset="2"/>
+              </a:rPr>
+              <a:t>wxFilePickerCtrl</a:t>
+            </a:r>
+            <a:r>
+              <a:rPr kumimoji="1" lang="zh-CN" altLang="en-US" sz="2000">
+                <a:solidFill>
+                  <a:srgbClr val="FF0000"/>
+                </a:solidFill>
+                <a:latin typeface="SimSun" panose="02010600030101010101" pitchFamily="2" charset="-122"/>
+                <a:ea typeface="SimSun" panose="02010600030101010101" pitchFamily="2" charset="-122"/>
+                <a:sym typeface="Wingdings" pitchFamily="2" charset="2"/>
+              </a:rPr>
+              <a:t> </a:t>
+            </a:r>
+            <a:r>
+              <a:rPr kumimoji="1" lang="en-US" altLang="zh-CN" sz="2000">
+                <a:solidFill>
+                  <a:srgbClr val="FF0000"/>
+                </a:solidFill>
+                <a:latin typeface="SimSun" panose="02010600030101010101" pitchFamily="2" charset="-122"/>
+                <a:ea typeface="SimSun" panose="02010600030101010101" pitchFamily="2" charset="-122"/>
+                <a:sym typeface="Wingdings" pitchFamily="2" charset="2"/>
+              </a:rPr>
+              <a:t>(</a:t>
+            </a:r>
+            <a:r>
+              <a:rPr kumimoji="1" lang="zh-CN" altLang="en-US" sz="2000">
+                <a:solidFill>
+                  <a:srgbClr val="FF0000"/>
+                </a:solidFill>
+                <a:latin typeface="SimSun" panose="02010600030101010101" pitchFamily="2" charset="-122"/>
+                <a:ea typeface="SimSun" panose="02010600030101010101" pitchFamily="2" charset="-122"/>
+                <a:sym typeface="Wingdings" pitchFamily="2" charset="2"/>
+              </a:rPr>
+              <a:t>文件选择器</a:t>
+            </a:r>
+            <a:r>
+              <a:rPr kumimoji="1" lang="en-US" altLang="zh-CN" sz="2000">
+                <a:solidFill>
+                  <a:srgbClr val="FF0000"/>
+                </a:solidFill>
+                <a:latin typeface="SimSun" panose="02010600030101010101" pitchFamily="2" charset="-122"/>
+                <a:ea typeface="SimSun" panose="02010600030101010101" pitchFamily="2" charset="-122"/>
+                <a:sym typeface="Wingdings" pitchFamily="2" charset="2"/>
+              </a:rPr>
+              <a:t>)</a:t>
+            </a:r>
+          </a:p>
+          <a:p>
+            <a:r>
+              <a:rPr kumimoji="1" lang="zh-CN" altLang="en-US" sz="2000">
+                <a:latin typeface="SimSun" panose="02010600030101010101" pitchFamily="2" charset="-122"/>
+                <a:ea typeface="SimSun" panose="02010600030101010101" pitchFamily="2" charset="-122"/>
+                <a:sym typeface="Wingdings" pitchFamily="2" charset="2"/>
+              </a:rPr>
+              <a:t>添加 </a:t>
+            </a:r>
+            <a:r>
+              <a:rPr kumimoji="1" lang="en-US" altLang="zh-CN" sz="2000">
+                <a:latin typeface="SimSun" panose="02010600030101010101" pitchFamily="2" charset="-122"/>
+                <a:ea typeface="SimSun" panose="02010600030101010101" pitchFamily="2" charset="-122"/>
+                <a:sym typeface="Wingdings" pitchFamily="2" charset="2"/>
+              </a:rPr>
+              <a:t>Common  wxBitmapButtom</a:t>
+            </a:r>
+          </a:p>
+          <a:p>
+            <a:r>
+              <a:rPr kumimoji="1" lang="en-US" altLang="zh-CN" sz="2000">
+                <a:solidFill>
+                  <a:srgbClr val="FF0000"/>
+                </a:solidFill>
+                <a:latin typeface="SimSun" panose="02010600030101010101" pitchFamily="2" charset="-122"/>
+                <a:ea typeface="SimSun" panose="02010600030101010101" pitchFamily="2" charset="-122"/>
+                <a:sym typeface="Wingdings" pitchFamily="2" charset="2"/>
+              </a:rPr>
+              <a:t>IOFiles</a:t>
+            </a:r>
+            <a:r>
+              <a:rPr kumimoji="1" lang="zh-CN" altLang="en-US" sz="2000">
+                <a:solidFill>
+                  <a:srgbClr val="FF0000"/>
+                </a:solidFill>
+                <a:latin typeface="SimSun" panose="02010600030101010101" pitchFamily="2" charset="-122"/>
+                <a:ea typeface="SimSun" panose="02010600030101010101" pitchFamily="2" charset="-122"/>
+                <a:sym typeface="Wingdings" pitchFamily="2" charset="2"/>
+              </a:rPr>
+              <a:t>部分与</a:t>
+            </a:r>
+            <a:r>
+              <a:rPr kumimoji="1" lang="en-US" altLang="zh-CN" sz="2000">
+                <a:solidFill>
+                  <a:srgbClr val="FF0000"/>
+                </a:solidFill>
+                <a:latin typeface="SimSun" panose="02010600030101010101" pitchFamily="2" charset="-122"/>
+                <a:ea typeface="SimSun" panose="02010600030101010101" pitchFamily="2" charset="-122"/>
+                <a:sym typeface="Wingdings" pitchFamily="2" charset="2"/>
+              </a:rPr>
+              <a:t>SignalFiles</a:t>
+            </a:r>
+            <a:r>
+              <a:rPr kumimoji="1" lang="zh-CN" altLang="en-US" sz="2000">
+                <a:solidFill>
+                  <a:srgbClr val="FF0000"/>
+                </a:solidFill>
+                <a:latin typeface="SimSun" panose="02010600030101010101" pitchFamily="2" charset="-122"/>
+                <a:ea typeface="SimSun" panose="02010600030101010101" pitchFamily="2" charset="-122"/>
+                <a:sym typeface="Wingdings" pitchFamily="2" charset="2"/>
+              </a:rPr>
+              <a:t>部分相同</a:t>
+            </a:r>
+            <a:endParaRPr kumimoji="1" lang="en-US" altLang="zh-CN" sz="2000">
+              <a:solidFill>
+                <a:srgbClr val="FF0000"/>
+              </a:solidFill>
+              <a:latin typeface="SimSun" panose="02010600030101010101" pitchFamily="2" charset="-122"/>
+              <a:ea typeface="SimSun" panose="02010600030101010101" pitchFamily="2" charset="-122"/>
+              <a:sym typeface="Wingdings" pitchFamily="2" charset="2"/>
+            </a:endParaRPr>
+          </a:p>
+          <a:p>
+            <a:r>
+              <a:rPr kumimoji="1" lang="zh-CN" altLang="en-US" sz="2000">
+                <a:solidFill>
+                  <a:srgbClr val="FF0000"/>
+                </a:solidFill>
+                <a:latin typeface="SimSun" panose="02010600030101010101" pitchFamily="2" charset="-122"/>
+                <a:ea typeface="SimSun" panose="02010600030101010101" pitchFamily="2" charset="-122"/>
+                <a:sym typeface="Wingdings" pitchFamily="2" charset="2"/>
+              </a:rPr>
+              <a:t>添加 </a:t>
+            </a:r>
+            <a:r>
+              <a:rPr kumimoji="1" lang="en-US" altLang="zh-CN" sz="2000">
+                <a:solidFill>
+                  <a:srgbClr val="FF0000"/>
+                </a:solidFill>
+                <a:latin typeface="SimSun" panose="02010600030101010101" pitchFamily="2" charset="-122"/>
+                <a:ea typeface="SimSun" panose="02010600030101010101" pitchFamily="2" charset="-122"/>
+                <a:sym typeface="Wingdings" pitchFamily="2" charset="2"/>
+              </a:rPr>
+              <a:t>Config</a:t>
+            </a:r>
+            <a:r>
+              <a:rPr kumimoji="1" lang="zh-CN" altLang="en-US" sz="2000">
+                <a:solidFill>
+                  <a:srgbClr val="FF0000"/>
+                </a:solidFill>
+                <a:latin typeface="SimSun" panose="02010600030101010101" pitchFamily="2" charset="-122"/>
+                <a:ea typeface="SimSun" panose="02010600030101010101" pitchFamily="2" charset="-122"/>
+                <a:sym typeface="Wingdings" pitchFamily="2" charset="2"/>
+              </a:rPr>
+              <a:t> 部分 </a:t>
+            </a:r>
+            <a:r>
+              <a:rPr kumimoji="1" lang="en-US" altLang="zh-CN" sz="2000">
+                <a:solidFill>
+                  <a:srgbClr val="FF0000"/>
+                </a:solidFill>
+                <a:latin typeface="SimSun" panose="02010600030101010101" pitchFamily="2" charset="-122"/>
+                <a:ea typeface="SimSun" panose="02010600030101010101" pitchFamily="2" charset="-122"/>
+                <a:sym typeface="Wingdings" pitchFamily="2" charset="2"/>
+              </a:rPr>
+              <a:t> </a:t>
+            </a:r>
+            <a:r>
+              <a:rPr kumimoji="1" lang="zh-CN" altLang="en-US" sz="2000">
+                <a:solidFill>
+                  <a:srgbClr val="FF0000"/>
+                </a:solidFill>
+                <a:latin typeface="SimSun" panose="02010600030101010101" pitchFamily="2" charset="-122"/>
+                <a:ea typeface="SimSun" panose="02010600030101010101" pitchFamily="2" charset="-122"/>
+                <a:sym typeface="Wingdings" pitchFamily="2" charset="2"/>
+              </a:rPr>
+              <a:t>添加 </a:t>
+            </a:r>
+            <a:r>
+              <a:rPr kumimoji="1" lang="en-US" altLang="zh-CN" sz="2000">
+                <a:solidFill>
+                  <a:srgbClr val="FF0000"/>
+                </a:solidFill>
+                <a:latin typeface="SimSun" panose="02010600030101010101" pitchFamily="2" charset="-122"/>
+                <a:ea typeface="SimSun" panose="02010600030101010101" pitchFamily="2" charset="-122"/>
+                <a:sym typeface="Wingdings" pitchFamily="2" charset="2"/>
+              </a:rPr>
+              <a:t>Sizer</a:t>
+            </a:r>
+            <a:r>
+              <a:rPr kumimoji="1" lang="zh-CN" altLang="en-US" sz="2000">
+                <a:solidFill>
+                  <a:srgbClr val="FF0000"/>
+                </a:solidFill>
+                <a:latin typeface="SimSun" panose="02010600030101010101" pitchFamily="2" charset="-122"/>
+                <a:ea typeface="SimSun" panose="02010600030101010101" pitchFamily="2" charset="-122"/>
+                <a:sym typeface="Wingdings" pitchFamily="2" charset="2"/>
+              </a:rPr>
+              <a:t> 设置</a:t>
+            </a:r>
+            <a:r>
+              <a:rPr kumimoji="1" lang="en-US" altLang="zh-CN" sz="2000">
+                <a:solidFill>
+                  <a:srgbClr val="FF0000"/>
+                </a:solidFill>
+                <a:latin typeface="SimSun" panose="02010600030101010101" pitchFamily="2" charset="-122"/>
+                <a:ea typeface="SimSun" panose="02010600030101010101" pitchFamily="2" charset="-122"/>
+                <a:sym typeface="Wingdings" pitchFamily="2" charset="2"/>
+              </a:rPr>
+              <a:t>orient</a:t>
+            </a:r>
+            <a:r>
+              <a:rPr kumimoji="1" lang="zh-CN" altLang="en-US" sz="2000">
+                <a:solidFill>
+                  <a:srgbClr val="FF0000"/>
+                </a:solidFill>
+                <a:latin typeface="SimSun" panose="02010600030101010101" pitchFamily="2" charset="-122"/>
+                <a:ea typeface="SimSun" panose="02010600030101010101" pitchFamily="2" charset="-122"/>
+                <a:sym typeface="Wingdings" pitchFamily="2" charset="2"/>
+              </a:rPr>
+              <a:t>为</a:t>
+            </a:r>
+            <a:r>
+              <a:rPr kumimoji="1" lang="en-US" altLang="zh-CN" sz="2000">
+                <a:solidFill>
+                  <a:srgbClr val="FF0000"/>
+                </a:solidFill>
+                <a:latin typeface="SimSun" panose="02010600030101010101" pitchFamily="2" charset="-122"/>
+                <a:ea typeface="SimSun" panose="02010600030101010101" pitchFamily="2" charset="-122"/>
+                <a:sym typeface="Wingdings" pitchFamily="2" charset="2"/>
+              </a:rPr>
+              <a:t>wxHORIZONTAL(</a:t>
+            </a:r>
+            <a:r>
+              <a:rPr kumimoji="1" lang="zh-CN" altLang="en-US" sz="2000">
+                <a:solidFill>
+                  <a:srgbClr val="FF0000"/>
+                </a:solidFill>
+                <a:latin typeface="SimSun" panose="02010600030101010101" pitchFamily="2" charset="-122"/>
+                <a:ea typeface="SimSun" panose="02010600030101010101" pitchFamily="2" charset="-122"/>
+                <a:sym typeface="Wingdings" pitchFamily="2" charset="2"/>
+              </a:rPr>
+              <a:t>竖排</a:t>
+            </a:r>
+            <a:r>
+              <a:rPr kumimoji="1" lang="en-US" altLang="zh-CN" sz="2000">
+                <a:solidFill>
+                  <a:srgbClr val="FF0000"/>
+                </a:solidFill>
+                <a:latin typeface="SimSun" panose="02010600030101010101" pitchFamily="2" charset="-122"/>
+                <a:ea typeface="SimSun" panose="02010600030101010101" pitchFamily="2" charset="-122"/>
+                <a:sym typeface="Wingdings" pitchFamily="2" charset="2"/>
+              </a:rPr>
+              <a:t>)</a:t>
+            </a:r>
+            <a:r>
+              <a:rPr kumimoji="1" lang="zh-CN" altLang="en-US" sz="2000">
+                <a:solidFill>
+                  <a:srgbClr val="FF0000"/>
+                </a:solidFill>
+                <a:latin typeface="SimSun" panose="02010600030101010101" pitchFamily="2" charset="-122"/>
+                <a:ea typeface="SimSun" panose="02010600030101010101" pitchFamily="2" charset="-122"/>
+                <a:sym typeface="Wingdings" pitchFamily="2" charset="2"/>
+              </a:rPr>
+              <a:t> </a:t>
+            </a:r>
+            <a:r>
+              <a:rPr kumimoji="1" lang="en-US" altLang="zh-CN" sz="2000">
+                <a:solidFill>
+                  <a:srgbClr val="FF0000"/>
+                </a:solidFill>
+                <a:latin typeface="SimSun" panose="02010600030101010101" pitchFamily="2" charset="-122"/>
+                <a:ea typeface="SimSun" panose="02010600030101010101" pitchFamily="2" charset="-122"/>
+                <a:sym typeface="Wingdings" pitchFamily="2" charset="2"/>
+              </a:rPr>
+              <a:t> </a:t>
+            </a:r>
+            <a:r>
+              <a:rPr kumimoji="1" lang="zh-CN" altLang="en-US" sz="2000">
+                <a:solidFill>
+                  <a:srgbClr val="FF0000"/>
+                </a:solidFill>
+                <a:latin typeface="SimSun" panose="02010600030101010101" pitchFamily="2" charset="-122"/>
+                <a:ea typeface="SimSun" panose="02010600030101010101" pitchFamily="2" charset="-122"/>
+                <a:sym typeface="Wingdings" pitchFamily="2" charset="2"/>
+              </a:rPr>
+              <a:t>添加按钮</a:t>
+            </a:r>
+            <a:endParaRPr kumimoji="1" lang="en-US" altLang="zh-CN" sz="2000">
+              <a:solidFill>
+                <a:srgbClr val="FF0000"/>
+              </a:solidFill>
+              <a:latin typeface="SimSun" panose="02010600030101010101" pitchFamily="2" charset="-122"/>
+              <a:ea typeface="SimSun" panose="02010600030101010101" pitchFamily="2" charset="-122"/>
+              <a:sym typeface="Wingdings" pitchFamily="2" charset="2"/>
+            </a:endParaRPr>
+          </a:p>
+          <a:p>
+            <a:endParaRPr kumimoji="1" lang="en-US" altLang="zh-CN">
+              <a:solidFill>
+                <a:srgbClr val="FF0000"/>
+              </a:solidFill>
+              <a:latin typeface="SimSun" panose="02010600030101010101" pitchFamily="2" charset="-122"/>
+              <a:ea typeface="SimSun" panose="02010600030101010101" pitchFamily="2" charset="-122"/>
+              <a:sym typeface="Wingdings" pitchFamily="2" charset="2"/>
+            </a:endParaRPr>
+          </a:p>
+          <a:p>
+            <a:endParaRPr kumimoji="1" lang="zh-CN" altLang="en-US">
+              <a:latin typeface="SimSun" panose="02010600030101010101" pitchFamily="2" charset="-122"/>
+              <a:ea typeface="SimSun" panose="02010600030101010101" pitchFamily="2" charset="-122"/>
+            </a:endParaRPr>
+          </a:p>
+        </p:txBody>
+      </p:sp>
+      <p:pic>
+        <p:nvPicPr>
+          <p:cNvPr id="5" name="图片 4">
+            <a:extLst>
+              <a:ext uri="{FF2B5EF4-FFF2-40B4-BE49-F238E27FC236}">
+                <a16:creationId xmlns:a16="http://schemas.microsoft.com/office/drawing/2014/main" id="{FE74A9DC-A02F-A04B-B5B7-ACD8DE7C2284}"/>
+              </a:ext>
+            </a:extLst>
+          </p:cNvPr>
+          <p:cNvPicPr>
+            <a:picLocks noChangeAspect="1"/>
+          </p:cNvPicPr>
+          <p:nvPr/>
+        </p:nvPicPr>
+        <p:blipFill>
+          <a:blip r:embed="rId2"/>
+          <a:stretch>
+            <a:fillRect/>
+          </a:stretch>
+        </p:blipFill>
+        <p:spPr>
+          <a:xfrm>
+            <a:off x="7693966" y="164093"/>
+            <a:ext cx="4007879" cy="4125951"/>
+          </a:xfrm>
+          <a:prstGeom prst="rect">
+            <a:avLst/>
+          </a:prstGeom>
+        </p:spPr>
+      </p:pic>
+    </p:spTree>
+    <p:extLst>
+      <p:ext uri="{BB962C8B-B14F-4D97-AF65-F5344CB8AC3E}">
+        <p14:creationId xmlns:p14="http://schemas.microsoft.com/office/powerpoint/2010/main" val="3673683875"/>
+      </p:ext>
+    </p:extLst>
+  </p:cSld>
+  <p:clrMapOvr>
+    <a:masterClrMapping/>
+  </p:clrMapOvr>
+</p:sld>
+</file>
+
+<file path=ppt/slides/slide11.xml><?xml version="1.0" encoding="utf-8"?>
 <p:sld xmlns:a="http://schemas.openxmlformats.org/drawingml/2006/main" xmlns:r="http://schemas.openxmlformats.org/officeDocument/2006/relationships" xmlns:p="http://schemas.openxmlformats.org/presentationml/2006/main">
   <p:cSld>
     <p:spTree>
@@ -3721,7 +4592,7 @@
 </p:sld>
 </file>
 
-<file path=ppt/slides/slide11.xml><?xml version="1.0" encoding="utf-8"?>
+<file path=ppt/slides/slide12.xml><?xml version="1.0" encoding="utf-8"?>
 <p:sld xmlns:a="http://schemas.openxmlformats.org/drawingml/2006/main" xmlns:r="http://schemas.openxmlformats.org/officeDocument/2006/relationships" xmlns:p="http://schemas.openxmlformats.org/presentationml/2006/main">
   <p:cSld>
     <p:spTree>
@@ -3844,7 +4715,7 @@
 </p:sld>
 </file>
 
-<file path=ppt/slides/slide12.xml><?xml version="1.0" encoding="utf-8"?>
+<file path=ppt/slides/slide13.xml><?xml version="1.0" encoding="utf-8"?>
 <p:sld xmlns:a="http://schemas.openxmlformats.org/drawingml/2006/main" xmlns:r="http://schemas.openxmlformats.org/officeDocument/2006/relationships" xmlns:p="http://schemas.openxmlformats.org/presentationml/2006/main">
   <p:cSld>
     <p:spTree>
@@ -4039,7 +4910,7 @@
 </p:sld>
 </file>
 
-<file path=ppt/slides/slide13.xml><?xml version="1.0" encoding="utf-8"?>
+<file path=ppt/slides/slide14.xml><?xml version="1.0" encoding="utf-8"?>
 <p:sld xmlns:a="http://schemas.openxmlformats.org/drawingml/2006/main" xmlns:r="http://schemas.openxmlformats.org/officeDocument/2006/relationships" xmlns:p="http://schemas.openxmlformats.org/presentationml/2006/main">
   <p:cSld>
     <p:spTree>
@@ -4228,7 +5099,7 @@
 </p:sld>
 </file>
 
-<file path=ppt/slides/slide14.xml><?xml version="1.0" encoding="utf-8"?>
+<file path=ppt/slides/slide15.xml><?xml version="1.0" encoding="utf-8"?>
 <p:sld xmlns:a="http://schemas.openxmlformats.org/drawingml/2006/main" xmlns:r="http://schemas.openxmlformats.org/officeDocument/2006/relationships" xmlns:p="http://schemas.openxmlformats.org/presentationml/2006/main">
   <p:cSld>
     <p:spTree>
@@ -4687,7 +5558,7 @@
 </p:sld>
 </file>
 
-<file path=ppt/slides/slide15.xml><?xml version="1.0" encoding="utf-8"?>
+<file path=ppt/slides/slide16.xml><?xml version="1.0" encoding="utf-8"?>
 <p:sld xmlns:a="http://schemas.openxmlformats.org/drawingml/2006/main" xmlns:r="http://schemas.openxmlformats.org/officeDocument/2006/relationships" xmlns:p="http://schemas.openxmlformats.org/presentationml/2006/main">
   <p:cSld>
     <p:spTree>
@@ -5334,7 +6205,7 @@
 </p:sld>
 </file>
 
-<file path=ppt/slides/slide16.xml><?xml version="1.0" encoding="utf-8"?>
+<file path=ppt/slides/slide17.xml><?xml version="1.0" encoding="utf-8"?>
 <p:sld xmlns:a="http://schemas.openxmlformats.org/drawingml/2006/main" xmlns:r="http://schemas.openxmlformats.org/officeDocument/2006/relationships" xmlns:p="http://schemas.openxmlformats.org/presentationml/2006/main">
   <p:cSld>
     <p:spTree>
@@ -5660,7 +6531,7 @@
 </p:sld>
 </file>
 
-<file path=ppt/slides/slide17.xml><?xml version="1.0" encoding="utf-8"?>
+<file path=ppt/slides/slide18.xml><?xml version="1.0" encoding="utf-8"?>
 <p:sld xmlns:a="http://schemas.openxmlformats.org/drawingml/2006/main" xmlns:r="http://schemas.openxmlformats.org/officeDocument/2006/relationships" xmlns:p="http://schemas.openxmlformats.org/presentationml/2006/main">
   <p:cSld>
     <p:spTree>
@@ -6431,7 +7302,7 @@
 </p:sld>
 </file>
 
-<file path=ppt/slides/slide18.xml><?xml version="1.0" encoding="utf-8"?>
+<file path=ppt/slides/slide19.xml><?xml version="1.0" encoding="utf-8"?>
 <p:sld xmlns:a="http://schemas.openxmlformats.org/drawingml/2006/main" xmlns:r="http://schemas.openxmlformats.org/officeDocument/2006/relationships" xmlns:p="http://schemas.openxmlformats.org/presentationml/2006/main">
   <p:cSld>
     <p:spTree>
@@ -7128,7 +7999,7 @@
 </p:sld>
 </file>
 
-<file path=ppt/slides/slide19.xml><?xml version="1.0" encoding="utf-8"?>
+<file path=ppt/slides/slide2.xml><?xml version="1.0" encoding="utf-8"?>
 <p:sld xmlns:a="http://schemas.openxmlformats.org/drawingml/2006/main" xmlns:r="http://schemas.openxmlformats.org/officeDocument/2006/relationships" xmlns:p="http://schemas.openxmlformats.org/presentationml/2006/main">
   <p:cSld>
     <p:spTree>
@@ -7168,7 +8039,7 @@
           <a:p>
             <a:r>
               <a:rPr kumimoji="1" lang="en-US" altLang="zh-CN"/>
-              <a:t>RTDBwxGUI Ⅲ</a:t>
+              <a:t>RTDBwxGUI Ⅰ</a:t>
             </a:r>
             <a:endParaRPr kumimoji="1" lang="zh-CN" altLang="en-US"/>
           </a:p>
@@ -7229,6 +8100,129 @@
             </a:r>
             <a:r>
               <a:rPr kumimoji="1" lang="en-US" altLang="zh-CN"/>
+              <a:t>wxFormBuilder</a:t>
+            </a:r>
+            <a:r>
+              <a:rPr kumimoji="1" lang="zh-CN" altLang="en-US"/>
+              <a:t>布局</a:t>
+            </a:r>
+          </a:p>
+        </p:txBody>
+      </p:sp>
+    </p:spTree>
+    <p:extLst>
+      <p:ext uri="{BB962C8B-B14F-4D97-AF65-F5344CB8AC3E}">
+        <p14:creationId xmlns:p14="http://schemas.microsoft.com/office/powerpoint/2010/main" val="1135820189"/>
+      </p:ext>
+    </p:extLst>
+  </p:cSld>
+  <p:clrMapOvr>
+    <a:masterClrMapping/>
+  </p:clrMapOvr>
+</p:sld>
+</file>
+
+<file path=ppt/slides/slide20.xml><?xml version="1.0" encoding="utf-8"?>
+<p:sld xmlns:a="http://schemas.openxmlformats.org/drawingml/2006/main" xmlns:r="http://schemas.openxmlformats.org/officeDocument/2006/relationships" xmlns:p="http://schemas.openxmlformats.org/presentationml/2006/main">
+  <p:cSld>
+    <p:spTree>
+      <p:nvGrpSpPr>
+        <p:cNvPr id="1" name=""/>
+        <p:cNvGrpSpPr/>
+        <p:nvPr/>
+      </p:nvGrpSpPr>
+      <p:grpSpPr>
+        <a:xfrm>
+          <a:off x="0" y="0"/>
+          <a:ext cx="0" cy="0"/>
+          <a:chOff x="0" y="0"/>
+          <a:chExt cx="0" cy="0"/>
+        </a:xfrm>
+      </p:grpSpPr>
+      <p:sp>
+        <p:nvSpPr>
+          <p:cNvPr id="2" name="标题 1">
+            <a:extLst>
+              <a:ext uri="{FF2B5EF4-FFF2-40B4-BE49-F238E27FC236}">
+                <a16:creationId xmlns:a16="http://schemas.microsoft.com/office/drawing/2014/main" id="{5D8CDBB8-1C32-E447-A00B-9335CF7E26EB}"/>
+              </a:ext>
+            </a:extLst>
+          </p:cNvPr>
+          <p:cNvSpPr>
+            <a:spLocks noGrp="1"/>
+          </p:cNvSpPr>
+          <p:nvPr>
+            <p:ph type="ctrTitle"/>
+          </p:nvPr>
+        </p:nvSpPr>
+        <p:spPr/>
+        <p:txBody>
+          <a:bodyPr anchor="ctr"/>
+          <a:lstStyle/>
+          <a:p>
+            <a:r>
+              <a:rPr kumimoji="1" lang="en-US" altLang="zh-CN"/>
+              <a:t>RTDBwxGUI Ⅲ</a:t>
+            </a:r>
+            <a:endParaRPr kumimoji="1" lang="zh-CN" altLang="en-US"/>
+          </a:p>
+        </p:txBody>
+      </p:sp>
+      <p:sp>
+        <p:nvSpPr>
+          <p:cNvPr id="3" name="副标题 2">
+            <a:extLst>
+              <a:ext uri="{FF2B5EF4-FFF2-40B4-BE49-F238E27FC236}">
+                <a16:creationId xmlns:a16="http://schemas.microsoft.com/office/drawing/2014/main" id="{8D3F9F6A-5E3D-654A-940B-D73AFCCCCE10}"/>
+              </a:ext>
+            </a:extLst>
+          </p:cNvPr>
+          <p:cNvSpPr>
+            <a:spLocks noGrp="1"/>
+          </p:cNvSpPr>
+          <p:nvPr>
+            <p:ph type="subTitle" idx="1"/>
+          </p:nvPr>
+        </p:nvSpPr>
+        <p:spPr>
+          <a:xfrm>
+            <a:off x="1524000" y="3602038"/>
+            <a:ext cx="10251688" cy="1655762"/>
+          </a:xfrm>
+        </p:spPr>
+        <p:txBody>
+          <a:bodyPr anchor="ctr"/>
+          <a:lstStyle/>
+          <a:p>
+            <a:r>
+              <a:rPr kumimoji="1" lang="zh-CN" altLang="en-US"/>
+              <a:t>基于</a:t>
+            </a:r>
+            <a:r>
+              <a:rPr kumimoji="1" lang="en-US" altLang="zh-CN"/>
+              <a:t>wxFormBuilder</a:t>
+            </a:r>
+            <a:r>
+              <a:rPr kumimoji="1" lang="zh-CN" altLang="en-US"/>
+              <a:t>布局工具与</a:t>
+            </a:r>
+            <a:r>
+              <a:rPr kumimoji="1" lang="en-US" altLang="zh-CN"/>
+              <a:t>wxWidgets</a:t>
+            </a:r>
+            <a:r>
+              <a:rPr kumimoji="1" lang="zh-CN" altLang="en-US"/>
+              <a:t>库的数据查看桌面应用程序</a:t>
+            </a:r>
+            <a:endParaRPr kumimoji="1" lang="en-US" altLang="zh-CN"/>
+          </a:p>
+          <a:p>
+            <a:r>
+              <a:rPr kumimoji="1" lang="zh-CN" altLang="en-US"/>
+              <a:t>之</a:t>
+            </a:r>
+            <a:r>
+              <a:rPr kumimoji="1" lang="en-US" altLang="zh-CN"/>
               <a:t>deb</a:t>
             </a:r>
             <a:r>
@@ -7251,7 +8245,247 @@
 </p:sld>
 </file>
 
-<file path=ppt/slides/slide2.xml><?xml version="1.0" encoding="utf-8"?>
+<file path=ppt/slides/slide21.xml><?xml version="1.0" encoding="utf-8"?>
+<p:sld xmlns:a="http://schemas.openxmlformats.org/drawingml/2006/main" xmlns:r="http://schemas.openxmlformats.org/officeDocument/2006/relationships" xmlns:p="http://schemas.openxmlformats.org/presentationml/2006/main">
+  <p:cSld>
+    <p:spTree>
+      <p:nvGrpSpPr>
+        <p:cNvPr id="1" name=""/>
+        <p:cNvGrpSpPr/>
+        <p:nvPr/>
+      </p:nvGrpSpPr>
+      <p:grpSpPr>
+        <a:xfrm>
+          <a:off x="0" y="0"/>
+          <a:ext cx="0" cy="0"/>
+          <a:chOff x="0" y="0"/>
+          <a:chExt cx="0" cy="0"/>
+        </a:xfrm>
+      </p:grpSpPr>
+      <p:sp>
+        <p:nvSpPr>
+          <p:cNvPr id="2" name="标题 1">
+            <a:extLst>
+              <a:ext uri="{FF2B5EF4-FFF2-40B4-BE49-F238E27FC236}">
+                <a16:creationId xmlns:a16="http://schemas.microsoft.com/office/drawing/2014/main" id="{8F8C3461-B827-354E-8720-EED76A6AFB05}"/>
+              </a:ext>
+            </a:extLst>
+          </p:cNvPr>
+          <p:cNvSpPr>
+            <a:spLocks noGrp="1"/>
+          </p:cNvSpPr>
+          <p:nvPr>
+            <p:ph type="title"/>
+          </p:nvPr>
+        </p:nvSpPr>
+        <p:spPr/>
+        <p:txBody>
+          <a:bodyPr/>
+          <a:lstStyle/>
+          <a:p>
+            <a:r>
+              <a:rPr kumimoji="1" lang="en-US" altLang="zh-CN"/>
+              <a:t>Deb</a:t>
+            </a:r>
+            <a:r>
+              <a:rPr kumimoji="1" lang="zh-CN" altLang="en-US"/>
+              <a:t>打包</a:t>
+            </a:r>
+          </a:p>
+        </p:txBody>
+      </p:sp>
+      <p:sp>
+        <p:nvSpPr>
+          <p:cNvPr id="3" name="内容占位符 2">
+            <a:extLst>
+              <a:ext uri="{FF2B5EF4-FFF2-40B4-BE49-F238E27FC236}">
+                <a16:creationId xmlns:a16="http://schemas.microsoft.com/office/drawing/2014/main" id="{03251DD7-8C5E-8B40-A370-D30A03A549E5}"/>
+              </a:ext>
+            </a:extLst>
+          </p:cNvPr>
+          <p:cNvSpPr>
+            <a:spLocks noGrp="1"/>
+          </p:cNvSpPr>
+          <p:nvPr>
+            <p:ph idx="1"/>
+          </p:nvPr>
+        </p:nvSpPr>
+        <p:spPr/>
+        <p:txBody>
+          <a:bodyPr/>
+          <a:lstStyle/>
+          <a:p>
+            <a:r>
+              <a:rPr kumimoji="1" lang="en" altLang="zh-CN">
+                <a:latin typeface="SimSun" panose="02010600030101010101" pitchFamily="2" charset="-122"/>
+                <a:ea typeface="SimSun" panose="02010600030101010101" pitchFamily="2" charset="-122"/>
+              </a:rPr>
+              <a:t>sudo apt-get install build-essential automake autoconf libtool pkg-config libcurl4-openssl-dev intltool libxml2-dev libgtk2.0-dev libnotify-dev libglib2.0-dev libevent-dev checkinstall</a:t>
+            </a:r>
+          </a:p>
+          <a:p>
+            <a:r>
+              <a:rPr kumimoji="1" lang="zh-CN" altLang="en-US">
+                <a:latin typeface="SimSun" panose="02010600030101010101" pitchFamily="2" charset="-122"/>
+                <a:ea typeface="SimSun" panose="02010600030101010101" pitchFamily="2" charset="-122"/>
+              </a:rPr>
+              <a:t>在</a:t>
+            </a:r>
+            <a:r>
+              <a:rPr kumimoji="1" lang="en-US" altLang="zh-CN">
+                <a:latin typeface="SimSun" panose="02010600030101010101" pitchFamily="2" charset="-122"/>
+                <a:ea typeface="SimSun" panose="02010600030101010101" pitchFamily="2" charset="-122"/>
+              </a:rPr>
+              <a:t>makefile</a:t>
+            </a:r>
+            <a:r>
+              <a:rPr kumimoji="1" lang="zh-CN" altLang="en-US">
+                <a:latin typeface="SimSun" panose="02010600030101010101" pitchFamily="2" charset="-122"/>
+                <a:ea typeface="SimSun" panose="02010600030101010101" pitchFamily="2" charset="-122"/>
+              </a:rPr>
+              <a:t>中添加</a:t>
+            </a:r>
+            <a:r>
+              <a:rPr kumimoji="1" lang="en-US" altLang="zh-CN">
+                <a:latin typeface="SimSun" panose="02010600030101010101" pitchFamily="2" charset="-122"/>
+                <a:ea typeface="SimSun" panose="02010600030101010101" pitchFamily="2" charset="-122"/>
+              </a:rPr>
+              <a:t>install</a:t>
+            </a:r>
+            <a:r>
+              <a:rPr kumimoji="1" lang="zh-CN" altLang="en-US">
+                <a:latin typeface="SimSun" panose="02010600030101010101" pitchFamily="2" charset="-122"/>
+                <a:ea typeface="SimSun" panose="02010600030101010101" pitchFamily="2" charset="-122"/>
+              </a:rPr>
+              <a:t>字段</a:t>
+            </a:r>
+            <a:endParaRPr kumimoji="1" lang="en-US" altLang="zh-CN">
+              <a:latin typeface="SimSun" panose="02010600030101010101" pitchFamily="2" charset="-122"/>
+              <a:ea typeface="SimSun" panose="02010600030101010101" pitchFamily="2" charset="-122"/>
+            </a:endParaRPr>
+          </a:p>
+          <a:p>
+            <a:endParaRPr kumimoji="1" lang="en-US" altLang="zh-CN">
+              <a:latin typeface="SimSun" panose="02010600030101010101" pitchFamily="2" charset="-122"/>
+              <a:ea typeface="SimSun" panose="02010600030101010101" pitchFamily="2" charset="-122"/>
+            </a:endParaRPr>
+          </a:p>
+          <a:p>
+            <a:pPr marL="0" indent="0">
+              <a:buNone/>
+            </a:pPr>
+            <a:r>
+              <a:rPr kumimoji="1" lang="zh-CN" altLang="en-US" sz="2000">
+                <a:latin typeface="SimSun" panose="02010600030101010101" pitchFamily="2" charset="-122"/>
+                <a:ea typeface="SimSun" panose="02010600030101010101" pitchFamily="2" charset="-122"/>
+              </a:rPr>
+              <a:t>注：打包后的应用程序并不依赖</a:t>
+            </a:r>
+            <a:r>
+              <a:rPr kumimoji="1" lang="en" altLang="zh-CN" sz="2000">
+                <a:latin typeface="SimSun" panose="02010600030101010101" pitchFamily="2" charset="-122"/>
+                <a:ea typeface="SimSun" panose="02010600030101010101" pitchFamily="2" charset="-122"/>
+              </a:rPr>
+              <a:t> libwxbase3.0-dev</a:t>
+            </a:r>
+            <a:r>
+              <a:rPr kumimoji="1" lang="zh-CN" altLang="en-US" sz="2000">
+                <a:latin typeface="SimSun" panose="02010600030101010101" pitchFamily="2" charset="-122"/>
+                <a:ea typeface="SimSun" panose="02010600030101010101" pitchFamily="2" charset="-122"/>
+              </a:rPr>
+              <a:t> </a:t>
+            </a:r>
+            <a:r>
+              <a:rPr kumimoji="1" lang="en" altLang="zh-CN" sz="2000">
+                <a:latin typeface="SimSun" panose="02010600030101010101" pitchFamily="2" charset="-122"/>
+                <a:ea typeface="SimSun" panose="02010600030101010101" pitchFamily="2" charset="-122"/>
+              </a:rPr>
+              <a:t>libwxgtk3.0-dev</a:t>
+            </a:r>
+            <a:endParaRPr kumimoji="1" lang="zh-CN" altLang="en-US" sz="2000">
+              <a:latin typeface="SimSun" panose="02010600030101010101" pitchFamily="2" charset="-122"/>
+              <a:ea typeface="SimSun" panose="02010600030101010101" pitchFamily="2" charset="-122"/>
+            </a:endParaRPr>
+          </a:p>
+        </p:txBody>
+      </p:sp>
+    </p:spTree>
+    <p:extLst>
+      <p:ext uri="{BB962C8B-B14F-4D97-AF65-F5344CB8AC3E}">
+        <p14:creationId xmlns:p14="http://schemas.microsoft.com/office/powerpoint/2010/main" val="3813282673"/>
+      </p:ext>
+    </p:extLst>
+  </p:cSld>
+  <p:clrMapOvr>
+    <a:masterClrMapping/>
+  </p:clrMapOvr>
+</p:sld>
+</file>
+
+<file path=ppt/slides/slide22.xml><?xml version="1.0" encoding="utf-8"?>
+<p:sld xmlns:a="http://schemas.openxmlformats.org/drawingml/2006/main" xmlns:r="http://schemas.openxmlformats.org/officeDocument/2006/relationships" xmlns:p="http://schemas.openxmlformats.org/presentationml/2006/main">
+  <p:cSld>
+    <p:spTree>
+      <p:nvGrpSpPr>
+        <p:cNvPr id="1" name=""/>
+        <p:cNvGrpSpPr/>
+        <p:nvPr/>
+      </p:nvGrpSpPr>
+      <p:grpSpPr>
+        <a:xfrm>
+          <a:off x="0" y="0"/>
+          <a:ext cx="0" cy="0"/>
+          <a:chOff x="0" y="0"/>
+          <a:chExt cx="0" cy="0"/>
+        </a:xfrm>
+      </p:grpSpPr>
+      <p:sp>
+        <p:nvSpPr>
+          <p:cNvPr id="2" name="标题 1">
+            <a:extLst>
+              <a:ext uri="{FF2B5EF4-FFF2-40B4-BE49-F238E27FC236}">
+                <a16:creationId xmlns:a16="http://schemas.microsoft.com/office/drawing/2014/main" id="{910AA661-3511-FE4A-ABEC-1E2B6979AA98}"/>
+              </a:ext>
+            </a:extLst>
+          </p:cNvPr>
+          <p:cNvSpPr>
+            <a:spLocks noGrp="1"/>
+          </p:cNvSpPr>
+          <p:nvPr>
+            <p:ph type="title"/>
+          </p:nvPr>
+        </p:nvSpPr>
+        <p:spPr>
+          <a:xfrm>
+            <a:off x="4361985" y="2766218"/>
+            <a:ext cx="4235605" cy="1325563"/>
+          </a:xfrm>
+        </p:spPr>
+        <p:txBody>
+          <a:bodyPr/>
+          <a:lstStyle/>
+          <a:p>
+            <a:r>
+              <a:rPr kumimoji="1" lang="zh-CN" altLang="en-US"/>
+              <a:t>谢谢观看</a:t>
+            </a:r>
+          </a:p>
+        </p:txBody>
+      </p:sp>
+    </p:spTree>
+    <p:extLst>
+      <p:ext uri="{BB962C8B-B14F-4D97-AF65-F5344CB8AC3E}">
+        <p14:creationId xmlns:p14="http://schemas.microsoft.com/office/powerpoint/2010/main" val="1450698613"/>
+      </p:ext>
+    </p:extLst>
+  </p:cSld>
+  <p:clrMapOvr>
+    <a:masterClrMapping/>
+  </p:clrMapOvr>
+</p:sld>
+</file>
+
+<file path=ppt/slides/slide3.xml><?xml version="1.0" encoding="utf-8"?>
 <p:sld xmlns:a="http://schemas.openxmlformats.org/drawingml/2006/main" xmlns:r="http://schemas.openxmlformats.org/officeDocument/2006/relationships" xmlns:p="http://schemas.openxmlformats.org/presentationml/2006/main">
   <p:cSld>
     <p:spTree>
@@ -7432,184 +8666,7 @@
 </p:sld>
 </file>
 
-<file path=ppt/slides/slide20.xml><?xml version="1.0" encoding="utf-8"?>
-<p:sld xmlns:a="http://schemas.openxmlformats.org/drawingml/2006/main" xmlns:r="http://schemas.openxmlformats.org/officeDocument/2006/relationships" xmlns:p="http://schemas.openxmlformats.org/presentationml/2006/main">
-  <p:cSld>
-    <p:spTree>
-      <p:nvGrpSpPr>
-        <p:cNvPr id="1" name=""/>
-        <p:cNvGrpSpPr/>
-        <p:nvPr/>
-      </p:nvGrpSpPr>
-      <p:grpSpPr>
-        <a:xfrm>
-          <a:off x="0" y="0"/>
-          <a:ext cx="0" cy="0"/>
-          <a:chOff x="0" y="0"/>
-          <a:chExt cx="0" cy="0"/>
-        </a:xfrm>
-      </p:grpSpPr>
-      <p:sp>
-        <p:nvSpPr>
-          <p:cNvPr id="2" name="标题 1">
-            <a:extLst>
-              <a:ext uri="{FF2B5EF4-FFF2-40B4-BE49-F238E27FC236}">
-                <a16:creationId xmlns:a16="http://schemas.microsoft.com/office/drawing/2014/main" id="{8F8C3461-B827-354E-8720-EED76A6AFB05}"/>
-              </a:ext>
-            </a:extLst>
-          </p:cNvPr>
-          <p:cNvSpPr>
-            <a:spLocks noGrp="1"/>
-          </p:cNvSpPr>
-          <p:nvPr>
-            <p:ph type="title"/>
-          </p:nvPr>
-        </p:nvSpPr>
-        <p:spPr/>
-        <p:txBody>
-          <a:bodyPr/>
-          <a:lstStyle/>
-          <a:p>
-            <a:r>
-              <a:rPr kumimoji="1" lang="en-US" altLang="zh-CN"/>
-              <a:t>Deb</a:t>
-            </a:r>
-            <a:r>
-              <a:rPr kumimoji="1" lang="zh-CN" altLang="en-US"/>
-              <a:t>打包</a:t>
-            </a:r>
-          </a:p>
-        </p:txBody>
-      </p:sp>
-      <p:sp>
-        <p:nvSpPr>
-          <p:cNvPr id="3" name="内容占位符 2">
-            <a:extLst>
-              <a:ext uri="{FF2B5EF4-FFF2-40B4-BE49-F238E27FC236}">
-                <a16:creationId xmlns:a16="http://schemas.microsoft.com/office/drawing/2014/main" id="{03251DD7-8C5E-8B40-A370-D30A03A549E5}"/>
-              </a:ext>
-            </a:extLst>
-          </p:cNvPr>
-          <p:cNvSpPr>
-            <a:spLocks noGrp="1"/>
-          </p:cNvSpPr>
-          <p:nvPr>
-            <p:ph idx="1"/>
-          </p:nvPr>
-        </p:nvSpPr>
-        <p:spPr/>
-        <p:txBody>
-          <a:bodyPr/>
-          <a:lstStyle/>
-          <a:p>
-            <a:r>
-              <a:rPr kumimoji="1" lang="en" altLang="zh-CN">
-                <a:latin typeface="SimSun" panose="02010600030101010101" pitchFamily="2" charset="-122"/>
-                <a:ea typeface="SimSun" panose="02010600030101010101" pitchFamily="2" charset="-122"/>
-              </a:rPr>
-              <a:t>sudo apt-get install build-essential automake autoconf libtool pkg-config libcurl4-openssl-dev intltool libxml2-dev libgtk2.0-dev libnotify-dev libglib2.0-dev libevent-dev checkinstall</a:t>
-            </a:r>
-          </a:p>
-          <a:p>
-            <a:r>
-              <a:rPr kumimoji="1" lang="zh-CN" altLang="en-US">
-                <a:latin typeface="SimSun" panose="02010600030101010101" pitchFamily="2" charset="-122"/>
-                <a:ea typeface="SimSun" panose="02010600030101010101" pitchFamily="2" charset="-122"/>
-              </a:rPr>
-              <a:t>在</a:t>
-            </a:r>
-            <a:r>
-              <a:rPr kumimoji="1" lang="en-US" altLang="zh-CN">
-                <a:latin typeface="SimSun" panose="02010600030101010101" pitchFamily="2" charset="-122"/>
-                <a:ea typeface="SimSun" panose="02010600030101010101" pitchFamily="2" charset="-122"/>
-              </a:rPr>
-              <a:t>makefile</a:t>
-            </a:r>
-            <a:r>
-              <a:rPr kumimoji="1" lang="zh-CN" altLang="en-US">
-                <a:latin typeface="SimSun" panose="02010600030101010101" pitchFamily="2" charset="-122"/>
-                <a:ea typeface="SimSun" panose="02010600030101010101" pitchFamily="2" charset="-122"/>
-              </a:rPr>
-              <a:t>中添加</a:t>
-            </a:r>
-            <a:r>
-              <a:rPr kumimoji="1" lang="en-US" altLang="zh-CN">
-                <a:latin typeface="SimSun" panose="02010600030101010101" pitchFamily="2" charset="-122"/>
-                <a:ea typeface="SimSun" panose="02010600030101010101" pitchFamily="2" charset="-122"/>
-              </a:rPr>
-              <a:t>install</a:t>
-            </a:r>
-            <a:r>
-              <a:rPr kumimoji="1" lang="zh-CN" altLang="en-US">
-                <a:latin typeface="SimSun" panose="02010600030101010101" pitchFamily="2" charset="-122"/>
-                <a:ea typeface="SimSun" panose="02010600030101010101" pitchFamily="2" charset="-122"/>
-              </a:rPr>
-              <a:t>字段</a:t>
-            </a:r>
-            <a:endParaRPr kumimoji="1" lang="en-US" altLang="zh-CN">
-              <a:latin typeface="SimSun" panose="02010600030101010101" pitchFamily="2" charset="-122"/>
-              <a:ea typeface="SimSun" panose="02010600030101010101" pitchFamily="2" charset="-122"/>
-            </a:endParaRPr>
-          </a:p>
-          <a:p>
-            <a:endParaRPr kumimoji="1" lang="en-US" altLang="zh-CN">
-              <a:latin typeface="SimSun" panose="02010600030101010101" pitchFamily="2" charset="-122"/>
-              <a:ea typeface="SimSun" panose="02010600030101010101" pitchFamily="2" charset="-122"/>
-            </a:endParaRPr>
-          </a:p>
-          <a:p>
-            <a:pPr marL="0" indent="0">
-              <a:buNone/>
-            </a:pPr>
-            <a:r>
-              <a:rPr kumimoji="1" lang="zh-CN" altLang="en-US" sz="2000">
-                <a:latin typeface="SimSun" panose="02010600030101010101" pitchFamily="2" charset="-122"/>
-                <a:ea typeface="SimSun" panose="02010600030101010101" pitchFamily="2" charset="-122"/>
-              </a:rPr>
-              <a:t>注：打包后的应用程序并不依赖</a:t>
-            </a:r>
-            <a:r>
-              <a:rPr kumimoji="1" lang="en" altLang="zh-CN" sz="2000">
-                <a:latin typeface="SimSun" panose="02010600030101010101" pitchFamily="2" charset="-122"/>
-                <a:ea typeface="SimSun" panose="02010600030101010101" pitchFamily="2" charset="-122"/>
-              </a:rPr>
-              <a:t> libwxbase3.0-dev</a:t>
-            </a:r>
-            <a:r>
-              <a:rPr kumimoji="1" lang="zh-CN" altLang="en-US" sz="2000">
-                <a:latin typeface="SimSun" panose="02010600030101010101" pitchFamily="2" charset="-122"/>
-                <a:ea typeface="SimSun" panose="02010600030101010101" pitchFamily="2" charset="-122"/>
-              </a:rPr>
-              <a:t> </a:t>
-            </a:r>
-            <a:r>
-              <a:rPr kumimoji="1" lang="en" altLang="zh-CN" sz="2000">
-                <a:latin typeface="SimSun" panose="02010600030101010101" pitchFamily="2" charset="-122"/>
-                <a:ea typeface="SimSun" panose="02010600030101010101" pitchFamily="2" charset="-122"/>
-              </a:rPr>
-              <a:t>libwxgtk3.0-dev</a:t>
-            </a:r>
-            <a:endParaRPr kumimoji="1" lang="zh-CN" altLang="en-US" sz="2000">
-              <a:latin typeface="SimSun" panose="02010600030101010101" pitchFamily="2" charset="-122"/>
-              <a:ea typeface="SimSun" panose="02010600030101010101" pitchFamily="2" charset="-122"/>
-            </a:endParaRPr>
-          </a:p>
-        </p:txBody>
-      </p:sp>
-    </p:spTree>
-    <p:extLst>
-      <p:ext uri="{BB962C8B-B14F-4D97-AF65-F5344CB8AC3E}">
-        <p14:creationId xmlns:p14="http://schemas.microsoft.com/office/powerpoint/2010/main" val="3813282673"/>
-      </p:ext>
-    </p:extLst>
-  </p:cSld>
-  <p:clrMapOvr>
-    <a:masterClrMapping/>
-  </p:clrMapOvr>
-</p:sld>
-</file>
-
-<file path=ppt/slides/slide3.xml><?xml version="1.0" encoding="utf-8"?>
+<file path=ppt/slides/slide4.xml><?xml version="1.0" encoding="utf-8"?>
 <p:sld xmlns:a="http://schemas.openxmlformats.org/drawingml/2006/main" xmlns:r="http://schemas.openxmlformats.org/officeDocument/2006/relationships" xmlns:p="http://schemas.openxmlformats.org/presentationml/2006/main">
   <p:cSld>
     <p:spTree>
@@ -8496,7 +9553,7 @@
 </p:sld>
 </file>
 
-<file path=ppt/slides/slide4.xml><?xml version="1.0" encoding="utf-8"?>
+<file path=ppt/slides/slide5.xml><?xml version="1.0" encoding="utf-8"?>
 <p:sld xmlns:a="http://schemas.openxmlformats.org/drawingml/2006/main" xmlns:r="http://schemas.openxmlformats.org/officeDocument/2006/relationships" xmlns:p="http://schemas.openxmlformats.org/presentationml/2006/main">
   <p:cSld>
     <p:spTree>
@@ -8992,7 +10049,7 @@
 </p:sld>
 </file>
 
-<file path=ppt/slides/slide5.xml><?xml version="1.0" encoding="utf-8"?>
+<file path=ppt/slides/slide6.xml><?xml version="1.0" encoding="utf-8"?>
 <p:sld xmlns:a="http://schemas.openxmlformats.org/drawingml/2006/main" xmlns:r="http://schemas.openxmlformats.org/officeDocument/2006/relationships" xmlns:p="http://schemas.openxmlformats.org/presentationml/2006/main">
   <p:cSld>
     <p:spTree>
@@ -9240,7 +10297,7 @@
 </p:sld>
 </file>
 
-<file path=ppt/slides/slide6.xml><?xml version="1.0" encoding="utf-8"?>
+<file path=ppt/slides/slide7.xml><?xml version="1.0" encoding="utf-8"?>
 <p:sld xmlns:a="http://schemas.openxmlformats.org/drawingml/2006/main" xmlns:r="http://schemas.openxmlformats.org/officeDocument/2006/relationships" xmlns:p="http://schemas.openxmlformats.org/presentationml/2006/main">
   <p:cSld>
     <p:spTree>
@@ -9429,7 +10486,7 @@
 </p:sld>
 </file>
 
-<file path=ppt/slides/slide7.xml><?xml version="1.0" encoding="utf-8"?>
+<file path=ppt/slides/slide8.xml><?xml version="1.0" encoding="utf-8"?>
 <p:sld xmlns:a="http://schemas.openxmlformats.org/drawingml/2006/main" xmlns:r="http://schemas.openxmlformats.org/officeDocument/2006/relationships" xmlns:p="http://schemas.openxmlformats.org/presentationml/2006/main">
   <p:cSld>
     <p:spTree>
@@ -9753,7 +10810,7 @@
 </p:sld>
 </file>
 
-<file path=ppt/slides/slide8.xml><?xml version="1.0" encoding="utf-8"?>
+<file path=ppt/slides/slide9.xml><?xml version="1.0" encoding="utf-8"?>
 <p:sld xmlns:a="http://schemas.openxmlformats.org/drawingml/2006/main" xmlns:r="http://schemas.openxmlformats.org/officeDocument/2006/relationships" xmlns:p="http://schemas.openxmlformats.org/presentationml/2006/main">
   <p:cSld>
     <p:spTree>
@@ -10115,901 +11172,6 @@
     <p:extLst>
       <p:ext uri="{BB962C8B-B14F-4D97-AF65-F5344CB8AC3E}">
         <p14:creationId xmlns:p14="http://schemas.microsoft.com/office/powerpoint/2010/main" val="2663657566"/>
-      </p:ext>
-    </p:extLst>
-  </p:cSld>
-  <p:clrMapOvr>
-    <a:masterClrMapping/>
-  </p:clrMapOvr>
-</p:sld>
-</file>
-
-<file path=ppt/slides/slide9.xml><?xml version="1.0" encoding="utf-8"?>
-<p:sld xmlns:a="http://schemas.openxmlformats.org/drawingml/2006/main" xmlns:r="http://schemas.openxmlformats.org/officeDocument/2006/relationships" xmlns:p="http://schemas.openxmlformats.org/presentationml/2006/main">
-  <p:cSld>
-    <p:spTree>
-      <p:nvGrpSpPr>
-        <p:cNvPr id="1" name=""/>
-        <p:cNvGrpSpPr/>
-        <p:nvPr/>
-      </p:nvGrpSpPr>
-      <p:grpSpPr>
-        <a:xfrm>
-          <a:off x="0" y="0"/>
-          <a:ext cx="0" cy="0"/>
-          <a:chOff x="0" y="0"/>
-          <a:chExt cx="0" cy="0"/>
-        </a:xfrm>
-      </p:grpSpPr>
-      <p:sp>
-        <p:nvSpPr>
-          <p:cNvPr id="2" name="标题 1">
-            <a:extLst>
-              <a:ext uri="{FF2B5EF4-FFF2-40B4-BE49-F238E27FC236}">
-                <a16:creationId xmlns:a16="http://schemas.microsoft.com/office/drawing/2014/main" id="{689AA139-6FA5-9448-A014-B61F63E59CB0}"/>
-              </a:ext>
-            </a:extLst>
-          </p:cNvPr>
-          <p:cNvSpPr>
-            <a:spLocks noGrp="1"/>
-          </p:cNvSpPr>
-          <p:nvPr>
-            <p:ph type="title"/>
-          </p:nvPr>
-        </p:nvSpPr>
-        <p:spPr/>
-        <p:txBody>
-          <a:bodyPr/>
-          <a:lstStyle/>
-          <a:p>
-            <a:r>
-              <a:rPr kumimoji="1" lang="en-US" altLang="zh-CN" sz="4400">
-                <a:latin typeface="SimSun" panose="02010600030101010101" pitchFamily="2" charset="-122"/>
-                <a:ea typeface="SimSun" panose="02010600030101010101" pitchFamily="2" charset="-122"/>
-              </a:rPr>
-              <a:t>DialogNew(Dialog</a:t>
-            </a:r>
-            <a:r>
-              <a:rPr kumimoji="1" lang="zh-CN" altLang="en-US" sz="4400">
-                <a:latin typeface="SimSun" panose="02010600030101010101" pitchFamily="2" charset="-122"/>
-                <a:ea typeface="SimSun" panose="02010600030101010101" pitchFamily="2" charset="-122"/>
-              </a:rPr>
-              <a:t>弹窗</a:t>
-            </a:r>
-            <a:r>
-              <a:rPr kumimoji="1" lang="en-US" altLang="zh-CN" sz="4400">
-                <a:latin typeface="SimSun" panose="02010600030101010101" pitchFamily="2" charset="-122"/>
-                <a:ea typeface="SimSun" panose="02010600030101010101" pitchFamily="2" charset="-122"/>
-              </a:rPr>
-              <a:t>)</a:t>
-            </a:r>
-            <a:endParaRPr kumimoji="1" lang="zh-CN" altLang="en-US"/>
-          </a:p>
-        </p:txBody>
-      </p:sp>
-      <p:sp>
-        <p:nvSpPr>
-          <p:cNvPr id="3" name="内容占位符 2">
-            <a:extLst>
-              <a:ext uri="{FF2B5EF4-FFF2-40B4-BE49-F238E27FC236}">
-                <a16:creationId xmlns:a16="http://schemas.microsoft.com/office/drawing/2014/main" id="{3E1AC4FA-3629-A54A-A8E8-7466048F5F0F}"/>
-              </a:ext>
-            </a:extLst>
-          </p:cNvPr>
-          <p:cNvSpPr>
-            <a:spLocks noGrp="1"/>
-          </p:cNvSpPr>
-          <p:nvPr>
-            <p:ph idx="1"/>
-          </p:nvPr>
-        </p:nvSpPr>
-        <p:spPr>
-          <a:xfrm>
-            <a:off x="581722" y="2227069"/>
-            <a:ext cx="11353800" cy="4351338"/>
-          </a:xfrm>
-        </p:spPr>
-        <p:txBody>
-          <a:bodyPr>
-            <a:normAutofit lnSpcReduction="10000"/>
-          </a:bodyPr>
-          <a:lstStyle/>
-          <a:p>
-            <a:r>
-              <a:rPr kumimoji="1" lang="zh-CN" altLang="en-US" sz="2000">
-                <a:latin typeface="SimSun" panose="02010600030101010101" pitchFamily="2" charset="-122"/>
-                <a:ea typeface="SimSun" panose="02010600030101010101" pitchFamily="2" charset="-122"/>
-              </a:rPr>
-              <a:t>添加 </a:t>
-            </a:r>
-            <a:r>
-              <a:rPr kumimoji="1" lang="en-US" altLang="zh-CN" sz="2000">
-                <a:latin typeface="SimSun" panose="02010600030101010101" pitchFamily="2" charset="-122"/>
-                <a:ea typeface="SimSun" panose="02010600030101010101" pitchFamily="2" charset="-122"/>
-              </a:rPr>
-              <a:t>Forms</a:t>
-            </a:r>
-            <a:r>
-              <a:rPr kumimoji="1" lang="zh-CN" altLang="en-US" sz="2000">
-                <a:latin typeface="SimSun" panose="02010600030101010101" pitchFamily="2" charset="-122"/>
-                <a:ea typeface="SimSun" panose="02010600030101010101" pitchFamily="2" charset="-122"/>
-              </a:rPr>
-              <a:t> </a:t>
-            </a:r>
-            <a:r>
-              <a:rPr kumimoji="1" lang="en-US" altLang="zh-CN" sz="2000">
-                <a:latin typeface="SimSun" panose="02010600030101010101" pitchFamily="2" charset="-122"/>
-                <a:ea typeface="SimSun" panose="02010600030101010101" pitchFamily="2" charset="-122"/>
-                <a:sym typeface="Wingdings" pitchFamily="2" charset="2"/>
-              </a:rPr>
-              <a:t> Dialog</a:t>
-            </a:r>
-          </a:p>
-          <a:p>
-            <a:r>
-              <a:rPr kumimoji="1" lang="zh-CN" altLang="en-US" sz="2000">
-                <a:latin typeface="SimSun" panose="02010600030101010101" pitchFamily="2" charset="-122"/>
-                <a:ea typeface="SimSun" panose="02010600030101010101" pitchFamily="2" charset="-122"/>
-                <a:sym typeface="Wingdings" pitchFamily="2" charset="2"/>
-              </a:rPr>
-              <a:t>添加 </a:t>
-            </a:r>
-            <a:r>
-              <a:rPr kumimoji="1" lang="en-US" altLang="zh-CN" sz="2000">
-                <a:latin typeface="SimSun" panose="02010600030101010101" pitchFamily="2" charset="-122"/>
-                <a:ea typeface="SimSun" panose="02010600030101010101" pitchFamily="2" charset="-122"/>
-                <a:sym typeface="Wingdings" pitchFamily="2" charset="2"/>
-              </a:rPr>
-              <a:t>Container</a:t>
-            </a:r>
-            <a:r>
-              <a:rPr kumimoji="1" lang="zh-CN" altLang="en-US" sz="2000">
-                <a:latin typeface="SimSun" panose="02010600030101010101" pitchFamily="2" charset="-122"/>
-                <a:ea typeface="SimSun" panose="02010600030101010101" pitchFamily="2" charset="-122"/>
-                <a:sym typeface="Wingdings" pitchFamily="2" charset="2"/>
-              </a:rPr>
-              <a:t> </a:t>
-            </a:r>
-            <a:r>
-              <a:rPr kumimoji="1" lang="en-US" altLang="zh-CN" sz="2000">
-                <a:latin typeface="SimSun" panose="02010600030101010101" pitchFamily="2" charset="-122"/>
-                <a:ea typeface="SimSun" panose="02010600030101010101" pitchFamily="2" charset="-122"/>
-                <a:sym typeface="Wingdings" pitchFamily="2" charset="2"/>
-              </a:rPr>
-              <a:t> wxBoxSizer</a:t>
-            </a:r>
-          </a:p>
-          <a:p>
-            <a:r>
-              <a:rPr kumimoji="1" lang="zh-CN" altLang="en-US" sz="2000">
-                <a:latin typeface="SimSun" panose="02010600030101010101" pitchFamily="2" charset="-122"/>
-                <a:ea typeface="SimSun" panose="02010600030101010101" pitchFamily="2" charset="-122"/>
-                <a:sym typeface="Wingdings" pitchFamily="2" charset="2"/>
-              </a:rPr>
-              <a:t>添加 </a:t>
-            </a:r>
-            <a:r>
-              <a:rPr kumimoji="1" lang="en-US" altLang="zh-CN" sz="2000">
-                <a:latin typeface="SimSun" panose="02010600030101010101" pitchFamily="2" charset="-122"/>
-                <a:ea typeface="SimSun" panose="02010600030101010101" pitchFamily="2" charset="-122"/>
-                <a:sym typeface="Wingdings" pitchFamily="2" charset="2"/>
-              </a:rPr>
-              <a:t>Menu/ToolBar  wxInfoBar</a:t>
-            </a:r>
-          </a:p>
-          <a:p>
-            <a:r>
-              <a:rPr kumimoji="1" lang="zh-CN" altLang="en-US" sz="2000">
-                <a:latin typeface="SimSun" panose="02010600030101010101" pitchFamily="2" charset="-122"/>
-                <a:ea typeface="SimSun" panose="02010600030101010101" pitchFamily="2" charset="-122"/>
-                <a:sym typeface="Wingdings" pitchFamily="2" charset="2"/>
-              </a:rPr>
-              <a:t>添加 </a:t>
-            </a:r>
-            <a:r>
-              <a:rPr kumimoji="1" lang="en-US" altLang="zh-CN" sz="2000">
-                <a:latin typeface="SimSun" panose="02010600030101010101" pitchFamily="2" charset="-122"/>
-                <a:ea typeface="SimSun" panose="02010600030101010101" pitchFamily="2" charset="-122"/>
-                <a:sym typeface="Wingdings" pitchFamily="2" charset="2"/>
-              </a:rPr>
-              <a:t>Container  wxScrolledWindow (</a:t>
-            </a:r>
-            <a:r>
-              <a:rPr kumimoji="1" lang="zh-CN" altLang="en-US" sz="2000">
-                <a:latin typeface="SimSun" panose="02010600030101010101" pitchFamily="2" charset="-122"/>
-                <a:ea typeface="SimSun" panose="02010600030101010101" pitchFamily="2" charset="-122"/>
-                <a:sym typeface="Wingdings" pitchFamily="2" charset="2"/>
-              </a:rPr>
-              <a:t>带滑动条的面板</a:t>
-            </a:r>
-            <a:r>
-              <a:rPr kumimoji="1" lang="en-US" altLang="zh-CN" sz="2000">
-                <a:latin typeface="SimSun" panose="02010600030101010101" pitchFamily="2" charset="-122"/>
-                <a:ea typeface="SimSun" panose="02010600030101010101" pitchFamily="2" charset="-122"/>
-                <a:sym typeface="Wingdings" pitchFamily="2" charset="2"/>
-              </a:rPr>
-              <a:t>)</a:t>
-            </a:r>
-          </a:p>
-          <a:p>
-            <a:r>
-              <a:rPr kumimoji="1" lang="zh-CN" altLang="en-US" sz="2000">
-                <a:latin typeface="SimSun" panose="02010600030101010101" pitchFamily="2" charset="-122"/>
-                <a:ea typeface="SimSun" panose="02010600030101010101" pitchFamily="2" charset="-122"/>
-                <a:sym typeface="Wingdings" pitchFamily="2" charset="2"/>
-              </a:rPr>
-              <a:t>添加 </a:t>
-            </a:r>
-            <a:r>
-              <a:rPr kumimoji="1" lang="en-US" altLang="zh-CN" sz="2000">
-                <a:latin typeface="SimSun" panose="02010600030101010101" pitchFamily="2" charset="-122"/>
-                <a:ea typeface="SimSun" panose="02010600030101010101" pitchFamily="2" charset="-122"/>
-                <a:sym typeface="Wingdings" pitchFamily="2" charset="2"/>
-              </a:rPr>
-              <a:t>Container</a:t>
-            </a:r>
-            <a:r>
-              <a:rPr kumimoji="1" lang="zh-CN" altLang="en-US" sz="2000">
-                <a:latin typeface="SimSun" panose="02010600030101010101" pitchFamily="2" charset="-122"/>
-                <a:ea typeface="SimSun" panose="02010600030101010101" pitchFamily="2" charset="-122"/>
-                <a:sym typeface="Wingdings" pitchFamily="2" charset="2"/>
-              </a:rPr>
-              <a:t> </a:t>
-            </a:r>
-            <a:r>
-              <a:rPr kumimoji="1" lang="en-US" altLang="zh-CN" sz="2000">
-                <a:latin typeface="SimSun" panose="02010600030101010101" pitchFamily="2" charset="-122"/>
-                <a:ea typeface="SimSun" panose="02010600030101010101" pitchFamily="2" charset="-122"/>
-                <a:sym typeface="Wingdings" pitchFamily="2" charset="2"/>
-              </a:rPr>
-              <a:t> wxBoxSizer</a:t>
-            </a:r>
-          </a:p>
-          <a:p>
-            <a:r>
-              <a:rPr kumimoji="1" lang="zh-CN" altLang="en-US" sz="2000">
-                <a:latin typeface="SimSun" panose="02010600030101010101" pitchFamily="2" charset="-122"/>
-                <a:ea typeface="SimSun" panose="02010600030101010101" pitchFamily="2" charset="-122"/>
-                <a:sym typeface="Wingdings" pitchFamily="2" charset="2"/>
-              </a:rPr>
-              <a:t>添加</a:t>
-            </a:r>
-            <a:r>
-              <a:rPr kumimoji="1" lang="en-US" altLang="zh-CN" sz="2000">
-                <a:latin typeface="SimSun" panose="02010600030101010101" pitchFamily="2" charset="-122"/>
-                <a:ea typeface="SimSun" panose="02010600030101010101" pitchFamily="2" charset="-122"/>
-                <a:sym typeface="Wingdings" pitchFamily="2" charset="2"/>
-              </a:rPr>
-              <a:t> Data</a:t>
-            </a:r>
-            <a:r>
-              <a:rPr kumimoji="1" lang="zh-CN" altLang="en-US" sz="2000">
-                <a:latin typeface="SimSun" panose="02010600030101010101" pitchFamily="2" charset="-122"/>
-                <a:ea typeface="SimSun" panose="02010600030101010101" pitchFamily="2" charset="-122"/>
-                <a:sym typeface="Wingdings" pitchFamily="2" charset="2"/>
-              </a:rPr>
-              <a:t> </a:t>
-            </a:r>
-            <a:r>
-              <a:rPr kumimoji="1" lang="en-US" altLang="zh-CN" sz="2000">
-                <a:latin typeface="SimSun" panose="02010600030101010101" pitchFamily="2" charset="-122"/>
-                <a:ea typeface="SimSun" panose="02010600030101010101" pitchFamily="2" charset="-122"/>
-                <a:sym typeface="Wingdings" pitchFamily="2" charset="2"/>
-              </a:rPr>
-              <a:t> wxDataViewListCtrl</a:t>
-            </a:r>
-          </a:p>
-          <a:p>
-            <a:r>
-              <a:rPr kumimoji="1" lang="zh-CN" altLang="en-US" sz="2000">
-                <a:solidFill>
-                  <a:srgbClr val="FF0000"/>
-                </a:solidFill>
-                <a:latin typeface="SimSun" panose="02010600030101010101" pitchFamily="2" charset="-122"/>
-                <a:ea typeface="SimSun" panose="02010600030101010101" pitchFamily="2" charset="-122"/>
-                <a:sym typeface="Wingdings" pitchFamily="2" charset="2"/>
-              </a:rPr>
-              <a:t>添加</a:t>
-            </a:r>
-            <a:r>
-              <a:rPr kumimoji="1" lang="en-US" altLang="zh-CN" sz="2000">
-                <a:solidFill>
-                  <a:srgbClr val="FF0000"/>
-                </a:solidFill>
-                <a:latin typeface="SimSun" panose="02010600030101010101" pitchFamily="2" charset="-122"/>
-                <a:ea typeface="SimSun" panose="02010600030101010101" pitchFamily="2" charset="-122"/>
-                <a:sym typeface="Wingdings" pitchFamily="2" charset="2"/>
-              </a:rPr>
-              <a:t>Panel</a:t>
-            </a:r>
-            <a:r>
-              <a:rPr kumimoji="1" lang="zh-CN" altLang="en-US" sz="2000">
-                <a:solidFill>
-                  <a:srgbClr val="FF0000"/>
-                </a:solidFill>
-                <a:latin typeface="SimSun" panose="02010600030101010101" pitchFamily="2" charset="-122"/>
-                <a:ea typeface="SimSun" panose="02010600030101010101" pitchFamily="2" charset="-122"/>
-                <a:sym typeface="Wingdings" pitchFamily="2" charset="2"/>
-              </a:rPr>
-              <a:t>再添加</a:t>
-            </a:r>
-            <a:r>
-              <a:rPr kumimoji="1" lang="en-US" altLang="zh-CN" sz="2000">
-                <a:solidFill>
-                  <a:srgbClr val="FF0000"/>
-                </a:solidFill>
-                <a:latin typeface="SimSun" panose="02010600030101010101" pitchFamily="2" charset="-122"/>
-                <a:ea typeface="SimSun" panose="02010600030101010101" pitchFamily="2" charset="-122"/>
-                <a:sym typeface="Wingdings" pitchFamily="2" charset="2"/>
-              </a:rPr>
-              <a:t>Sizer</a:t>
-            </a:r>
-            <a:r>
-              <a:rPr kumimoji="1" lang="zh-CN" altLang="en-US" sz="2000">
-                <a:solidFill>
-                  <a:srgbClr val="FF0000"/>
-                </a:solidFill>
-                <a:latin typeface="SimSun" panose="02010600030101010101" pitchFamily="2" charset="-122"/>
-                <a:ea typeface="SimSun" panose="02010600030101010101" pitchFamily="2" charset="-122"/>
-                <a:sym typeface="Wingdings" pitchFamily="2" charset="2"/>
-              </a:rPr>
-              <a:t> </a:t>
-            </a:r>
-            <a:r>
-              <a:rPr kumimoji="1" lang="en-US" altLang="zh-CN" sz="2000">
-                <a:solidFill>
-                  <a:srgbClr val="FF0000"/>
-                </a:solidFill>
-                <a:latin typeface="SimSun" panose="02010600030101010101" pitchFamily="2" charset="-122"/>
-                <a:ea typeface="SimSun" panose="02010600030101010101" pitchFamily="2" charset="-122"/>
-                <a:sym typeface="Wingdings" pitchFamily="2" charset="2"/>
-              </a:rPr>
-              <a:t> Sizer</a:t>
-            </a:r>
-            <a:r>
-              <a:rPr kumimoji="1" lang="zh-CN" altLang="en-US" sz="2000">
-                <a:solidFill>
-                  <a:srgbClr val="FF0000"/>
-                </a:solidFill>
-                <a:latin typeface="SimSun" panose="02010600030101010101" pitchFamily="2" charset="-122"/>
-                <a:ea typeface="SimSun" panose="02010600030101010101" pitchFamily="2" charset="-122"/>
-                <a:sym typeface="Wingdings" pitchFamily="2" charset="2"/>
-              </a:rPr>
-              <a:t>设置</a:t>
-            </a:r>
-            <a:r>
-              <a:rPr kumimoji="1" lang="en-US" altLang="zh-CN" sz="2000">
-                <a:solidFill>
-                  <a:srgbClr val="FF0000"/>
-                </a:solidFill>
-                <a:latin typeface="SimSun" panose="02010600030101010101" pitchFamily="2" charset="-122"/>
-                <a:ea typeface="SimSun" panose="02010600030101010101" pitchFamily="2" charset="-122"/>
-                <a:sym typeface="Wingdings" pitchFamily="2" charset="2"/>
-              </a:rPr>
-              <a:t>orient</a:t>
-            </a:r>
-            <a:r>
-              <a:rPr kumimoji="1" lang="zh-CN" altLang="en-US" sz="2000">
-                <a:solidFill>
-                  <a:srgbClr val="FF0000"/>
-                </a:solidFill>
-                <a:latin typeface="SimSun" panose="02010600030101010101" pitchFamily="2" charset="-122"/>
-                <a:ea typeface="SimSun" panose="02010600030101010101" pitchFamily="2" charset="-122"/>
-                <a:sym typeface="Wingdings" pitchFamily="2" charset="2"/>
-              </a:rPr>
-              <a:t>为</a:t>
-            </a:r>
-            <a:r>
-              <a:rPr kumimoji="1" lang="en-US" altLang="zh-CN" sz="2000">
-                <a:solidFill>
-                  <a:srgbClr val="FF0000"/>
-                </a:solidFill>
-                <a:latin typeface="SimSun" panose="02010600030101010101" pitchFamily="2" charset="-122"/>
-                <a:ea typeface="SimSun" panose="02010600030101010101" pitchFamily="2" charset="-122"/>
-                <a:sym typeface="Wingdings" pitchFamily="2" charset="2"/>
-              </a:rPr>
-              <a:t>wxHORIZONTAL(</a:t>
-            </a:r>
-            <a:r>
-              <a:rPr kumimoji="1" lang="zh-CN" altLang="en-US" sz="2000">
-                <a:solidFill>
-                  <a:srgbClr val="FF0000"/>
-                </a:solidFill>
-                <a:latin typeface="SimSun" panose="02010600030101010101" pitchFamily="2" charset="-122"/>
-                <a:ea typeface="SimSun" panose="02010600030101010101" pitchFamily="2" charset="-122"/>
-                <a:sym typeface="Wingdings" pitchFamily="2" charset="2"/>
-              </a:rPr>
-              <a:t>竖排</a:t>
-            </a:r>
-            <a:r>
-              <a:rPr kumimoji="1" lang="en-US" altLang="zh-CN" sz="2000">
-                <a:solidFill>
-                  <a:srgbClr val="FF0000"/>
-                </a:solidFill>
-                <a:latin typeface="SimSun" panose="02010600030101010101" pitchFamily="2" charset="-122"/>
-                <a:ea typeface="SimSun" panose="02010600030101010101" pitchFamily="2" charset="-122"/>
-                <a:sym typeface="Wingdings" pitchFamily="2" charset="2"/>
-              </a:rPr>
-              <a:t>)</a:t>
-            </a:r>
-          </a:p>
-          <a:p>
-            <a:r>
-              <a:rPr kumimoji="1" lang="zh-CN" altLang="en-US" sz="2000">
-                <a:solidFill>
-                  <a:srgbClr val="FF0000"/>
-                </a:solidFill>
-                <a:latin typeface="SimSun" panose="02010600030101010101" pitchFamily="2" charset="-122"/>
-                <a:ea typeface="SimSun" panose="02010600030101010101" pitchFamily="2" charset="-122"/>
-                <a:sym typeface="Wingdings" pitchFamily="2" charset="2"/>
-              </a:rPr>
-              <a:t>在</a:t>
-            </a:r>
-            <a:r>
-              <a:rPr kumimoji="1" lang="en-US" altLang="zh-CN" sz="2000">
-                <a:solidFill>
-                  <a:srgbClr val="FF0000"/>
-                </a:solidFill>
-                <a:latin typeface="SimSun" panose="02010600030101010101" pitchFamily="2" charset="-122"/>
-                <a:ea typeface="SimSun" panose="02010600030101010101" pitchFamily="2" charset="-122"/>
-                <a:sym typeface="Wingdings" pitchFamily="2" charset="2"/>
-              </a:rPr>
-              <a:t>Sizer</a:t>
-            </a:r>
-            <a:r>
-              <a:rPr kumimoji="1" lang="zh-CN" altLang="en-US" sz="2000">
-                <a:solidFill>
-                  <a:srgbClr val="FF0000"/>
-                </a:solidFill>
-                <a:latin typeface="SimSun" panose="02010600030101010101" pitchFamily="2" charset="-122"/>
-                <a:ea typeface="SimSun" panose="02010600030101010101" pitchFamily="2" charset="-122"/>
-                <a:sym typeface="Wingdings" pitchFamily="2" charset="2"/>
-              </a:rPr>
-              <a:t>里添加</a:t>
-            </a:r>
-            <a:r>
-              <a:rPr kumimoji="1" lang="en-US" altLang="zh-CN" sz="2000">
-                <a:solidFill>
-                  <a:srgbClr val="FF0000"/>
-                </a:solidFill>
-                <a:latin typeface="SimSun" panose="02010600030101010101" pitchFamily="2" charset="-122"/>
-                <a:ea typeface="SimSun" panose="02010600030101010101" pitchFamily="2" charset="-122"/>
-                <a:sym typeface="Wingdings" pitchFamily="2" charset="2"/>
-              </a:rPr>
-              <a:t>StaticText</a:t>
-            </a:r>
-            <a:r>
-              <a:rPr kumimoji="1" lang="zh-CN" altLang="en-US" sz="2000">
-                <a:solidFill>
-                  <a:srgbClr val="FF0000"/>
-                </a:solidFill>
-                <a:latin typeface="SimSun" panose="02010600030101010101" pitchFamily="2" charset="-122"/>
-                <a:ea typeface="SimSun" panose="02010600030101010101" pitchFamily="2" charset="-122"/>
-                <a:sym typeface="Wingdings" pitchFamily="2" charset="2"/>
-              </a:rPr>
-              <a:t> </a:t>
-            </a:r>
-            <a:r>
-              <a:rPr kumimoji="1" lang="en-US" altLang="zh-CN" sz="2000">
-                <a:solidFill>
-                  <a:srgbClr val="FF0000"/>
-                </a:solidFill>
-                <a:latin typeface="SimSun" panose="02010600030101010101" pitchFamily="2" charset="-122"/>
-                <a:ea typeface="SimSun" panose="02010600030101010101" pitchFamily="2" charset="-122"/>
-                <a:sym typeface="Wingdings" pitchFamily="2" charset="2"/>
-              </a:rPr>
-              <a:t> </a:t>
-            </a:r>
-            <a:r>
-              <a:rPr kumimoji="1" lang="zh-CN" altLang="en-US" sz="2000">
-                <a:solidFill>
-                  <a:srgbClr val="FF0000"/>
-                </a:solidFill>
-                <a:latin typeface="SimSun" panose="02010600030101010101" pitchFamily="2" charset="-122"/>
-                <a:ea typeface="SimSun" panose="02010600030101010101" pitchFamily="2" charset="-122"/>
-                <a:sym typeface="Wingdings" pitchFamily="2" charset="2"/>
-              </a:rPr>
-              <a:t>添加</a:t>
-            </a:r>
-            <a:r>
-              <a:rPr kumimoji="1" lang="en-US" altLang="zh-CN" sz="2000">
-                <a:solidFill>
-                  <a:srgbClr val="FF0000"/>
-                </a:solidFill>
-                <a:latin typeface="SimSun" panose="02010600030101010101" pitchFamily="2" charset="-122"/>
-                <a:ea typeface="SimSun" panose="02010600030101010101" pitchFamily="2" charset="-122"/>
-                <a:sym typeface="Wingdings" pitchFamily="2" charset="2"/>
-              </a:rPr>
-              <a:t>Additional</a:t>
-            </a:r>
-            <a:r>
-              <a:rPr kumimoji="1" lang="zh-CN" altLang="en-US" sz="2000">
-                <a:solidFill>
-                  <a:srgbClr val="FF0000"/>
-                </a:solidFill>
-                <a:latin typeface="SimSun" panose="02010600030101010101" pitchFamily="2" charset="-122"/>
-                <a:ea typeface="SimSun" panose="02010600030101010101" pitchFamily="2" charset="-122"/>
-                <a:sym typeface="Wingdings" pitchFamily="2" charset="2"/>
-              </a:rPr>
-              <a:t> </a:t>
-            </a:r>
-            <a:r>
-              <a:rPr kumimoji="1" lang="en-US" altLang="zh-CN" sz="2000">
-                <a:solidFill>
-                  <a:srgbClr val="FF0000"/>
-                </a:solidFill>
-                <a:latin typeface="SimSun" panose="02010600030101010101" pitchFamily="2" charset="-122"/>
-                <a:ea typeface="SimSun" panose="02010600030101010101" pitchFamily="2" charset="-122"/>
-                <a:sym typeface="Wingdings" pitchFamily="2" charset="2"/>
-              </a:rPr>
-              <a:t></a:t>
-            </a:r>
-            <a:r>
-              <a:rPr kumimoji="1" lang="zh-CN" altLang="en-US" sz="2000">
-                <a:solidFill>
-                  <a:srgbClr val="FF0000"/>
-                </a:solidFill>
-                <a:latin typeface="SimSun" panose="02010600030101010101" pitchFamily="2" charset="-122"/>
-                <a:ea typeface="SimSun" panose="02010600030101010101" pitchFamily="2" charset="-122"/>
-                <a:sym typeface="Wingdings" pitchFamily="2" charset="2"/>
-              </a:rPr>
-              <a:t> </a:t>
-            </a:r>
-            <a:r>
-              <a:rPr kumimoji="1" lang="en-US" altLang="zh-CN" sz="2000">
-                <a:solidFill>
-                  <a:srgbClr val="FF0000"/>
-                </a:solidFill>
-                <a:latin typeface="SimSun" panose="02010600030101010101" pitchFamily="2" charset="-122"/>
-                <a:ea typeface="SimSun" panose="02010600030101010101" pitchFamily="2" charset="-122"/>
-                <a:sym typeface="Wingdings" pitchFamily="2" charset="2"/>
-              </a:rPr>
-              <a:t>wxFilePickerCtrl</a:t>
-            </a:r>
-            <a:r>
-              <a:rPr kumimoji="1" lang="zh-CN" altLang="en-US" sz="2000">
-                <a:solidFill>
-                  <a:srgbClr val="FF0000"/>
-                </a:solidFill>
-                <a:latin typeface="SimSun" panose="02010600030101010101" pitchFamily="2" charset="-122"/>
-                <a:ea typeface="SimSun" panose="02010600030101010101" pitchFamily="2" charset="-122"/>
-                <a:sym typeface="Wingdings" pitchFamily="2" charset="2"/>
-              </a:rPr>
-              <a:t> </a:t>
-            </a:r>
-            <a:r>
-              <a:rPr kumimoji="1" lang="en-US" altLang="zh-CN" sz="2000">
-                <a:solidFill>
-                  <a:srgbClr val="FF0000"/>
-                </a:solidFill>
-                <a:latin typeface="SimSun" panose="02010600030101010101" pitchFamily="2" charset="-122"/>
-                <a:ea typeface="SimSun" panose="02010600030101010101" pitchFamily="2" charset="-122"/>
-                <a:sym typeface="Wingdings" pitchFamily="2" charset="2"/>
-              </a:rPr>
-              <a:t>(</a:t>
-            </a:r>
-            <a:r>
-              <a:rPr kumimoji="1" lang="zh-CN" altLang="en-US" sz="2000">
-                <a:solidFill>
-                  <a:srgbClr val="FF0000"/>
-                </a:solidFill>
-                <a:latin typeface="SimSun" panose="02010600030101010101" pitchFamily="2" charset="-122"/>
-                <a:ea typeface="SimSun" panose="02010600030101010101" pitchFamily="2" charset="-122"/>
-                <a:sym typeface="Wingdings" pitchFamily="2" charset="2"/>
-              </a:rPr>
-              <a:t>文件选择器</a:t>
-            </a:r>
-            <a:r>
-              <a:rPr kumimoji="1" lang="en-US" altLang="zh-CN" sz="2000">
-                <a:solidFill>
-                  <a:srgbClr val="FF0000"/>
-                </a:solidFill>
-                <a:latin typeface="SimSun" panose="02010600030101010101" pitchFamily="2" charset="-122"/>
-                <a:ea typeface="SimSun" panose="02010600030101010101" pitchFamily="2" charset="-122"/>
-                <a:sym typeface="Wingdings" pitchFamily="2" charset="2"/>
-              </a:rPr>
-              <a:t>)</a:t>
-            </a:r>
-          </a:p>
-          <a:p>
-            <a:r>
-              <a:rPr kumimoji="1" lang="zh-CN" altLang="en-US" sz="2000">
-                <a:latin typeface="SimSun" panose="02010600030101010101" pitchFamily="2" charset="-122"/>
-                <a:ea typeface="SimSun" panose="02010600030101010101" pitchFamily="2" charset="-122"/>
-                <a:sym typeface="Wingdings" pitchFamily="2" charset="2"/>
-              </a:rPr>
-              <a:t>添加 </a:t>
-            </a:r>
-            <a:r>
-              <a:rPr kumimoji="1" lang="en-US" altLang="zh-CN" sz="2000">
-                <a:latin typeface="SimSun" panose="02010600030101010101" pitchFamily="2" charset="-122"/>
-                <a:ea typeface="SimSun" panose="02010600030101010101" pitchFamily="2" charset="-122"/>
-                <a:sym typeface="Wingdings" pitchFamily="2" charset="2"/>
-              </a:rPr>
-              <a:t>Common  wxBitmapButtom</a:t>
-            </a:r>
-          </a:p>
-          <a:p>
-            <a:r>
-              <a:rPr kumimoji="1" lang="en-US" altLang="zh-CN" sz="2000">
-                <a:solidFill>
-                  <a:srgbClr val="FF0000"/>
-                </a:solidFill>
-                <a:latin typeface="SimSun" panose="02010600030101010101" pitchFamily="2" charset="-122"/>
-                <a:ea typeface="SimSun" panose="02010600030101010101" pitchFamily="2" charset="-122"/>
-                <a:sym typeface="Wingdings" pitchFamily="2" charset="2"/>
-              </a:rPr>
-              <a:t>IOFiles</a:t>
-            </a:r>
-            <a:r>
-              <a:rPr kumimoji="1" lang="zh-CN" altLang="en-US" sz="2000">
-                <a:solidFill>
-                  <a:srgbClr val="FF0000"/>
-                </a:solidFill>
-                <a:latin typeface="SimSun" panose="02010600030101010101" pitchFamily="2" charset="-122"/>
-                <a:ea typeface="SimSun" panose="02010600030101010101" pitchFamily="2" charset="-122"/>
-                <a:sym typeface="Wingdings" pitchFamily="2" charset="2"/>
-              </a:rPr>
-              <a:t>部分与</a:t>
-            </a:r>
-            <a:r>
-              <a:rPr kumimoji="1" lang="en-US" altLang="zh-CN" sz="2000">
-                <a:solidFill>
-                  <a:srgbClr val="FF0000"/>
-                </a:solidFill>
-                <a:latin typeface="SimSun" panose="02010600030101010101" pitchFamily="2" charset="-122"/>
-                <a:ea typeface="SimSun" panose="02010600030101010101" pitchFamily="2" charset="-122"/>
-                <a:sym typeface="Wingdings" pitchFamily="2" charset="2"/>
-              </a:rPr>
-              <a:t>SignalFiles</a:t>
-            </a:r>
-            <a:r>
-              <a:rPr kumimoji="1" lang="zh-CN" altLang="en-US" sz="2000">
-                <a:solidFill>
-                  <a:srgbClr val="FF0000"/>
-                </a:solidFill>
-                <a:latin typeface="SimSun" panose="02010600030101010101" pitchFamily="2" charset="-122"/>
-                <a:ea typeface="SimSun" panose="02010600030101010101" pitchFamily="2" charset="-122"/>
-                <a:sym typeface="Wingdings" pitchFamily="2" charset="2"/>
-              </a:rPr>
-              <a:t>部分相同</a:t>
-            </a:r>
-            <a:endParaRPr kumimoji="1" lang="en-US" altLang="zh-CN" sz="2000">
-              <a:solidFill>
-                <a:srgbClr val="FF0000"/>
-              </a:solidFill>
-              <a:latin typeface="SimSun" panose="02010600030101010101" pitchFamily="2" charset="-122"/>
-              <a:ea typeface="SimSun" panose="02010600030101010101" pitchFamily="2" charset="-122"/>
-              <a:sym typeface="Wingdings" pitchFamily="2" charset="2"/>
-            </a:endParaRPr>
-          </a:p>
-          <a:p>
-            <a:r>
-              <a:rPr kumimoji="1" lang="zh-CN" altLang="en-US" sz="2000">
-                <a:solidFill>
-                  <a:srgbClr val="FF0000"/>
-                </a:solidFill>
-                <a:latin typeface="SimSun" panose="02010600030101010101" pitchFamily="2" charset="-122"/>
-                <a:ea typeface="SimSun" panose="02010600030101010101" pitchFamily="2" charset="-122"/>
-                <a:sym typeface="Wingdings" pitchFamily="2" charset="2"/>
-              </a:rPr>
-              <a:t>添加 </a:t>
-            </a:r>
-            <a:r>
-              <a:rPr kumimoji="1" lang="en-US" altLang="zh-CN" sz="2000">
-                <a:solidFill>
-                  <a:srgbClr val="FF0000"/>
-                </a:solidFill>
-                <a:latin typeface="SimSun" panose="02010600030101010101" pitchFamily="2" charset="-122"/>
-                <a:ea typeface="SimSun" panose="02010600030101010101" pitchFamily="2" charset="-122"/>
-                <a:sym typeface="Wingdings" pitchFamily="2" charset="2"/>
-              </a:rPr>
-              <a:t>Config</a:t>
-            </a:r>
-            <a:r>
-              <a:rPr kumimoji="1" lang="zh-CN" altLang="en-US" sz="2000">
-                <a:solidFill>
-                  <a:srgbClr val="FF0000"/>
-                </a:solidFill>
-                <a:latin typeface="SimSun" panose="02010600030101010101" pitchFamily="2" charset="-122"/>
-                <a:ea typeface="SimSun" panose="02010600030101010101" pitchFamily="2" charset="-122"/>
-                <a:sym typeface="Wingdings" pitchFamily="2" charset="2"/>
-              </a:rPr>
-              <a:t> 部分 </a:t>
-            </a:r>
-            <a:r>
-              <a:rPr kumimoji="1" lang="en-US" altLang="zh-CN" sz="2000">
-                <a:solidFill>
-                  <a:srgbClr val="FF0000"/>
-                </a:solidFill>
-                <a:latin typeface="SimSun" panose="02010600030101010101" pitchFamily="2" charset="-122"/>
-                <a:ea typeface="SimSun" panose="02010600030101010101" pitchFamily="2" charset="-122"/>
-                <a:sym typeface="Wingdings" pitchFamily="2" charset="2"/>
-              </a:rPr>
-              <a:t> </a:t>
-            </a:r>
-            <a:r>
-              <a:rPr kumimoji="1" lang="zh-CN" altLang="en-US" sz="2000">
-                <a:solidFill>
-                  <a:srgbClr val="FF0000"/>
-                </a:solidFill>
-                <a:latin typeface="SimSun" panose="02010600030101010101" pitchFamily="2" charset="-122"/>
-                <a:ea typeface="SimSun" panose="02010600030101010101" pitchFamily="2" charset="-122"/>
-                <a:sym typeface="Wingdings" pitchFamily="2" charset="2"/>
-              </a:rPr>
-              <a:t>添加 </a:t>
-            </a:r>
-            <a:r>
-              <a:rPr kumimoji="1" lang="en-US" altLang="zh-CN" sz="2000">
-                <a:solidFill>
-                  <a:srgbClr val="FF0000"/>
-                </a:solidFill>
-                <a:latin typeface="SimSun" panose="02010600030101010101" pitchFamily="2" charset="-122"/>
-                <a:ea typeface="SimSun" panose="02010600030101010101" pitchFamily="2" charset="-122"/>
-                <a:sym typeface="Wingdings" pitchFamily="2" charset="2"/>
-              </a:rPr>
-              <a:t>Sizer</a:t>
-            </a:r>
-            <a:r>
-              <a:rPr kumimoji="1" lang="zh-CN" altLang="en-US" sz="2000">
-                <a:solidFill>
-                  <a:srgbClr val="FF0000"/>
-                </a:solidFill>
-                <a:latin typeface="SimSun" panose="02010600030101010101" pitchFamily="2" charset="-122"/>
-                <a:ea typeface="SimSun" panose="02010600030101010101" pitchFamily="2" charset="-122"/>
-                <a:sym typeface="Wingdings" pitchFamily="2" charset="2"/>
-              </a:rPr>
-              <a:t> 设置</a:t>
-            </a:r>
-            <a:r>
-              <a:rPr kumimoji="1" lang="en-US" altLang="zh-CN" sz="2000">
-                <a:solidFill>
-                  <a:srgbClr val="FF0000"/>
-                </a:solidFill>
-                <a:latin typeface="SimSun" panose="02010600030101010101" pitchFamily="2" charset="-122"/>
-                <a:ea typeface="SimSun" panose="02010600030101010101" pitchFamily="2" charset="-122"/>
-                <a:sym typeface="Wingdings" pitchFamily="2" charset="2"/>
-              </a:rPr>
-              <a:t>orient</a:t>
-            </a:r>
-            <a:r>
-              <a:rPr kumimoji="1" lang="zh-CN" altLang="en-US" sz="2000">
-                <a:solidFill>
-                  <a:srgbClr val="FF0000"/>
-                </a:solidFill>
-                <a:latin typeface="SimSun" panose="02010600030101010101" pitchFamily="2" charset="-122"/>
-                <a:ea typeface="SimSun" panose="02010600030101010101" pitchFamily="2" charset="-122"/>
-                <a:sym typeface="Wingdings" pitchFamily="2" charset="2"/>
-              </a:rPr>
-              <a:t>为</a:t>
-            </a:r>
-            <a:r>
-              <a:rPr kumimoji="1" lang="en-US" altLang="zh-CN" sz="2000">
-                <a:solidFill>
-                  <a:srgbClr val="FF0000"/>
-                </a:solidFill>
-                <a:latin typeface="SimSun" panose="02010600030101010101" pitchFamily="2" charset="-122"/>
-                <a:ea typeface="SimSun" panose="02010600030101010101" pitchFamily="2" charset="-122"/>
-                <a:sym typeface="Wingdings" pitchFamily="2" charset="2"/>
-              </a:rPr>
-              <a:t>wxHORIZONTAL(</a:t>
-            </a:r>
-            <a:r>
-              <a:rPr kumimoji="1" lang="zh-CN" altLang="en-US" sz="2000">
-                <a:solidFill>
-                  <a:srgbClr val="FF0000"/>
-                </a:solidFill>
-                <a:latin typeface="SimSun" panose="02010600030101010101" pitchFamily="2" charset="-122"/>
-                <a:ea typeface="SimSun" panose="02010600030101010101" pitchFamily="2" charset="-122"/>
-                <a:sym typeface="Wingdings" pitchFamily="2" charset="2"/>
-              </a:rPr>
-              <a:t>竖排</a:t>
-            </a:r>
-            <a:r>
-              <a:rPr kumimoji="1" lang="en-US" altLang="zh-CN" sz="2000">
-                <a:solidFill>
-                  <a:srgbClr val="FF0000"/>
-                </a:solidFill>
-                <a:latin typeface="SimSun" panose="02010600030101010101" pitchFamily="2" charset="-122"/>
-                <a:ea typeface="SimSun" panose="02010600030101010101" pitchFamily="2" charset="-122"/>
-                <a:sym typeface="Wingdings" pitchFamily="2" charset="2"/>
-              </a:rPr>
-              <a:t>)</a:t>
-            </a:r>
-            <a:r>
-              <a:rPr kumimoji="1" lang="zh-CN" altLang="en-US" sz="2000">
-                <a:solidFill>
-                  <a:srgbClr val="FF0000"/>
-                </a:solidFill>
-                <a:latin typeface="SimSun" panose="02010600030101010101" pitchFamily="2" charset="-122"/>
-                <a:ea typeface="SimSun" panose="02010600030101010101" pitchFamily="2" charset="-122"/>
-                <a:sym typeface="Wingdings" pitchFamily="2" charset="2"/>
-              </a:rPr>
-              <a:t> </a:t>
-            </a:r>
-            <a:r>
-              <a:rPr kumimoji="1" lang="en-US" altLang="zh-CN" sz="2000">
-                <a:solidFill>
-                  <a:srgbClr val="FF0000"/>
-                </a:solidFill>
-                <a:latin typeface="SimSun" panose="02010600030101010101" pitchFamily="2" charset="-122"/>
-                <a:ea typeface="SimSun" panose="02010600030101010101" pitchFamily="2" charset="-122"/>
-                <a:sym typeface="Wingdings" pitchFamily="2" charset="2"/>
-              </a:rPr>
-              <a:t> </a:t>
-            </a:r>
-            <a:r>
-              <a:rPr kumimoji="1" lang="zh-CN" altLang="en-US" sz="2000">
-                <a:solidFill>
-                  <a:srgbClr val="FF0000"/>
-                </a:solidFill>
-                <a:latin typeface="SimSun" panose="02010600030101010101" pitchFamily="2" charset="-122"/>
-                <a:ea typeface="SimSun" panose="02010600030101010101" pitchFamily="2" charset="-122"/>
-                <a:sym typeface="Wingdings" pitchFamily="2" charset="2"/>
-              </a:rPr>
-              <a:t>添加按钮</a:t>
-            </a:r>
-            <a:endParaRPr kumimoji="1" lang="en-US" altLang="zh-CN" sz="2000">
-              <a:solidFill>
-                <a:srgbClr val="FF0000"/>
-              </a:solidFill>
-              <a:latin typeface="SimSun" panose="02010600030101010101" pitchFamily="2" charset="-122"/>
-              <a:ea typeface="SimSun" panose="02010600030101010101" pitchFamily="2" charset="-122"/>
-              <a:sym typeface="Wingdings" pitchFamily="2" charset="2"/>
-            </a:endParaRPr>
-          </a:p>
-          <a:p>
-            <a:endParaRPr kumimoji="1" lang="en-US" altLang="zh-CN">
-              <a:solidFill>
-                <a:srgbClr val="FF0000"/>
-              </a:solidFill>
-              <a:latin typeface="SimSun" panose="02010600030101010101" pitchFamily="2" charset="-122"/>
-              <a:ea typeface="SimSun" panose="02010600030101010101" pitchFamily="2" charset="-122"/>
-              <a:sym typeface="Wingdings" pitchFamily="2" charset="2"/>
-            </a:endParaRPr>
-          </a:p>
-          <a:p>
-            <a:endParaRPr kumimoji="1" lang="zh-CN" altLang="en-US">
-              <a:latin typeface="SimSun" panose="02010600030101010101" pitchFamily="2" charset="-122"/>
-              <a:ea typeface="SimSun" panose="02010600030101010101" pitchFamily="2" charset="-122"/>
-            </a:endParaRPr>
-          </a:p>
-        </p:txBody>
-      </p:sp>
-      <p:pic>
-        <p:nvPicPr>
-          <p:cNvPr id="5" name="图片 4">
-            <a:extLst>
-              <a:ext uri="{FF2B5EF4-FFF2-40B4-BE49-F238E27FC236}">
-                <a16:creationId xmlns:a16="http://schemas.microsoft.com/office/drawing/2014/main" id="{FE74A9DC-A02F-A04B-B5B7-ACD8DE7C2284}"/>
-              </a:ext>
-            </a:extLst>
-          </p:cNvPr>
-          <p:cNvPicPr>
-            <a:picLocks noChangeAspect="1"/>
-          </p:cNvPicPr>
-          <p:nvPr/>
-        </p:nvPicPr>
-        <p:blipFill>
-          <a:blip r:embed="rId2"/>
-          <a:stretch>
-            <a:fillRect/>
-          </a:stretch>
-        </p:blipFill>
-        <p:spPr>
-          <a:xfrm>
-            <a:off x="7693966" y="164093"/>
-            <a:ext cx="4007879" cy="4125951"/>
-          </a:xfrm>
-          <a:prstGeom prst="rect">
-            <a:avLst/>
-          </a:prstGeom>
-        </p:spPr>
-      </p:pic>
-    </p:spTree>
-    <p:extLst>
-      <p:ext uri="{BB962C8B-B14F-4D97-AF65-F5344CB8AC3E}">
-        <p14:creationId xmlns:p14="http://schemas.microsoft.com/office/powerpoint/2010/main" val="3673683875"/>
       </p:ext>
     </p:extLst>
   </p:cSld>
